--- a/research/AURA.pptx
+++ b/research/AURA.pptx
@@ -3369,7 +3369,7 @@
         </p:nvSpPr>
         <p:spPr>
           <a:xfrm>
-            <a:off x="5672797" y="2414268"/>
+            <a:off x="5646420" y="2661771"/>
             <a:ext cx="5140569" cy="1354505"/>
           </a:xfrm>
         </p:spPr>
@@ -3392,12 +3392,18 @@
             </a:br>
             <a:r>
               <a:rPr lang="en-GB" dirty="0">
-                <a:latin typeface="Montserrat Medium" panose="00000600000000000000" pitchFamily="2" charset="0"/>
+                <a:solidFill>
+                  <a:srgbClr val="332767"/>
+                </a:solidFill>
+                <a:latin typeface="Montserrat Alternates ExtraBold" panose="00000900000000000000" pitchFamily="2" charset="0"/>
               </a:rPr>
               <a:t>AURA</a:t>
             </a:r>
             <a:endParaRPr lang="nl-BE" dirty="0">
-              <a:latin typeface="Montserrat Medium" panose="00000600000000000000" pitchFamily="2" charset="0"/>
+              <a:solidFill>
+                <a:srgbClr val="332767"/>
+              </a:solidFill>
+              <a:latin typeface="Montserrat Alternates ExtraBold" panose="00000900000000000000" pitchFamily="2" charset="0"/>
             </a:endParaRPr>
           </a:p>
         </p:txBody>
@@ -3423,7 +3429,7 @@
             <a:avLst/>
           </a:prstGeom>
           <a:solidFill>
-            <a:srgbClr val="9933FF"/>
+            <a:srgbClr val="332767"/>
           </a:solidFill>
           <a:ln>
             <a:noFill/>
@@ -3572,7 +3578,7 @@
         </p:nvSpPr>
         <p:spPr>
           <a:xfrm>
-            <a:off x="3156438" y="415925"/>
+            <a:off x="4862146" y="479462"/>
             <a:ext cx="8197362" cy="1325563"/>
           </a:xfrm>
         </p:spPr>
@@ -3582,49 +3588,69 @@
           <a:p>
             <a:r>
               <a:rPr lang="en-GB" dirty="0">
+                <a:solidFill>
+                  <a:srgbClr val="332767"/>
+                </a:solidFill>
                 <a:latin typeface="Montserrat Medium" panose="00000600000000000000" pitchFamily="2" charset="0"/>
               </a:rPr>
-              <a:t>Opdracht </a:t>
-            </a:r>
+              <a:t>Opdracht van </a:t>
+            </a:r>
+            <a:r>
+              <a:rPr lang="en-GB" dirty="0" err="1">
+                <a:solidFill>
+                  <a:srgbClr val="332767"/>
+                </a:solidFill>
+                <a:latin typeface="Montserrat Medium" panose="00000600000000000000" pitchFamily="2" charset="0"/>
+              </a:rPr>
+              <a:t>klant</a:t>
+            </a:r>
+            <a:endParaRPr lang="nl-BE" dirty="0">
+              <a:solidFill>
+                <a:srgbClr val="332767"/>
+              </a:solidFill>
+              <a:latin typeface="Montserrat Medium" panose="00000600000000000000" pitchFamily="2" charset="0"/>
+            </a:endParaRPr>
+          </a:p>
+        </p:txBody>
+      </p:sp>
+      <p:sp>
+        <p:nvSpPr>
+          <p:cNvPr id="3" name="Tijdelijke aanduiding voor inhoud 2">
+            <a:extLst>
+              <a:ext uri="{FF2B5EF4-FFF2-40B4-BE49-F238E27FC236}">
+                <a16:creationId xmlns:a16="http://schemas.microsoft.com/office/drawing/2014/main" id="{5A3C4568-9A66-4544-B1CA-FBD7BD433689}"/>
+              </a:ext>
+            </a:extLst>
+          </p:cNvPr>
+          <p:cNvSpPr>
+            <a:spLocks noGrp="1"/>
+          </p:cNvSpPr>
+          <p:nvPr>
+            <p:ph idx="1"/>
+          </p:nvPr>
+        </p:nvSpPr>
+        <p:spPr>
+          <a:xfrm>
+            <a:off x="4862146" y="1743478"/>
+            <a:ext cx="7077808" cy="4351338"/>
+          </a:xfrm>
+        </p:spPr>
+        <p:txBody>
+          <a:bodyPr/>
+          <a:lstStyle/>
+          <a:p>
+            <a:r>
+              <a:rPr lang="nl-BE" dirty="0">
+                <a:latin typeface="Montserrat Medium" panose="00000600000000000000" pitchFamily="2" charset="0"/>
+              </a:rPr>
+              <a:t>App: Positieve gevoelens opwekken</a:t>
+            </a:r>
+          </a:p>
+          <a:p>
             <a:endParaRPr lang="nl-BE" dirty="0">
               <a:latin typeface="Montserrat Medium" panose="00000600000000000000" pitchFamily="2" charset="0"/>
             </a:endParaRPr>
           </a:p>
-        </p:txBody>
-      </p:sp>
-      <p:sp>
-        <p:nvSpPr>
-          <p:cNvPr id="3" name="Tijdelijke aanduiding voor inhoud 2">
-            <a:extLst>
-              <a:ext uri="{FF2B5EF4-FFF2-40B4-BE49-F238E27FC236}">
-                <a16:creationId xmlns:a16="http://schemas.microsoft.com/office/drawing/2014/main" id="{5A3C4568-9A66-4544-B1CA-FBD7BD433689}"/>
-              </a:ext>
-            </a:extLst>
-          </p:cNvPr>
-          <p:cNvSpPr>
-            <a:spLocks noGrp="1"/>
-          </p:cNvSpPr>
-          <p:nvPr>
-            <p:ph idx="1"/>
-          </p:nvPr>
-        </p:nvSpPr>
-        <p:spPr>
-          <a:xfrm>
-            <a:off x="3156438" y="1825625"/>
-            <a:ext cx="8197362" cy="4351338"/>
-          </a:xfrm>
-        </p:spPr>
-        <p:txBody>
-          <a:bodyPr/>
-          <a:lstStyle/>
-          <a:p>
-            <a:r>
-              <a:rPr lang="nl-BE" dirty="0">
-                <a:latin typeface="Montserrat Medium" panose="00000600000000000000" pitchFamily="2" charset="0"/>
-              </a:rPr>
-              <a:t>App: Positieve opwekken</a:t>
-            </a:r>
-          </a:p>
           <a:p>
             <a:endParaRPr lang="nl-BE" dirty="0">
               <a:latin typeface="Montserrat Medium" panose="00000600000000000000" pitchFamily="2" charset="0"/>
@@ -3634,10 +3660,10 @@
       </p:sp>
       <p:sp>
         <p:nvSpPr>
-          <p:cNvPr id="4" name="Rechthoek 3">
-            <a:extLst>
-              <a:ext uri="{FF2B5EF4-FFF2-40B4-BE49-F238E27FC236}">
-                <a16:creationId xmlns:a16="http://schemas.microsoft.com/office/drawing/2014/main" id="{B1730B8E-B52B-49B0-BF35-2CFAED685EDB}"/>
+          <p:cNvPr id="5" name="Rechthoek 4">
+            <a:extLst>
+              <a:ext uri="{FF2B5EF4-FFF2-40B4-BE49-F238E27FC236}">
+                <a16:creationId xmlns:a16="http://schemas.microsoft.com/office/drawing/2014/main" id="{0A649DEA-802F-4D39-A7B3-F4221680DDEE}"/>
               </a:ext>
             </a:extLst>
           </p:cNvPr>
@@ -3646,14 +3672,14 @@
         </p:nvSpPr>
         <p:spPr>
           <a:xfrm>
-            <a:off x="-131885" y="-142240"/>
-            <a:ext cx="3086100" cy="7307971"/>
+            <a:off x="-131885" y="-243840"/>
+            <a:ext cx="4607170" cy="7165731"/>
           </a:xfrm>
           <a:prstGeom prst="rect">
             <a:avLst/>
           </a:prstGeom>
           <a:solidFill>
-            <a:srgbClr val="9933FF"/>
+            <a:srgbClr val="332767"/>
           </a:solidFill>
           <a:ln>
             <a:noFill/>
@@ -3679,11 +3705,226 @@
           <a:bodyPr rtlCol="0" anchor="ctr"/>
           <a:lstStyle/>
           <a:p>
-            <a:pPr algn="ctr"/>
-            <a:endParaRPr lang="nl-BE"/>
-          </a:p>
-        </p:txBody>
-      </p:sp>
+            <a:endParaRPr lang="nl-BE" dirty="0"/>
+          </a:p>
+        </p:txBody>
+      </p:sp>
+      <p:pic>
+        <p:nvPicPr>
+          <p:cNvPr id="9" name="Afbeelding 8" descr="Afbeelding met illustratie&#10;&#10;Beschrijving is gegenereerd met zeer hoge betrouwbaarheid">
+            <a:extLst>
+              <a:ext uri="{FF2B5EF4-FFF2-40B4-BE49-F238E27FC236}">
+                <a16:creationId xmlns:a16="http://schemas.microsoft.com/office/drawing/2014/main" id="{1711D5F9-D8F5-4DFC-996B-DD3B3F0055BB}"/>
+              </a:ext>
+            </a:extLst>
+          </p:cNvPr>
+          <p:cNvPicPr>
+            <a:picLocks noChangeAspect="1"/>
+          </p:cNvPicPr>
+          <p:nvPr/>
+        </p:nvPicPr>
+        <p:blipFill>
+          <a:blip r:embed="rId2">
+            <a:extLst>
+              <a:ext uri="{28A0092B-C50C-407E-A947-70E740481C1C}">
+                <a14:useLocalDpi xmlns:a14="http://schemas.microsoft.com/office/drawing/2010/main" val="0"/>
+              </a:ext>
+            </a:extLst>
+          </a:blip>
+          <a:stretch>
+            <a:fillRect/>
+          </a:stretch>
+        </p:blipFill>
+        <p:spPr>
+          <a:xfrm>
+            <a:off x="2958976" y="2687294"/>
+            <a:ext cx="818785" cy="818785"/>
+          </a:xfrm>
+          <a:prstGeom prst="rect">
+            <a:avLst/>
+          </a:prstGeom>
+        </p:spPr>
+      </p:pic>
+      <p:pic>
+        <p:nvPicPr>
+          <p:cNvPr id="11" name="Afbeelding 10" descr="Afbeelding met illustratie&#10;&#10;Beschrijving is gegenereerd met hoge betrouwbaarheid">
+            <a:extLst>
+              <a:ext uri="{FF2B5EF4-FFF2-40B4-BE49-F238E27FC236}">
+                <a16:creationId xmlns:a16="http://schemas.microsoft.com/office/drawing/2014/main" id="{A8457909-734A-4217-8609-20669BE1BD54}"/>
+              </a:ext>
+            </a:extLst>
+          </p:cNvPr>
+          <p:cNvPicPr>
+            <a:picLocks noChangeAspect="1"/>
+          </p:cNvPicPr>
+          <p:nvPr/>
+        </p:nvPicPr>
+        <p:blipFill>
+          <a:blip r:embed="rId3">
+            <a:extLst>
+              <a:ext uri="{28A0092B-C50C-407E-A947-70E740481C1C}">
+                <a14:useLocalDpi xmlns:a14="http://schemas.microsoft.com/office/drawing/2010/main" val="0"/>
+              </a:ext>
+            </a:extLst>
+          </a:blip>
+          <a:stretch>
+            <a:fillRect/>
+          </a:stretch>
+        </p:blipFill>
+        <p:spPr>
+          <a:xfrm>
+            <a:off x="838673" y="1805025"/>
+            <a:ext cx="600075" cy="600075"/>
+          </a:xfrm>
+          <a:prstGeom prst="rect">
+            <a:avLst/>
+          </a:prstGeom>
+        </p:spPr>
+      </p:pic>
+      <p:pic>
+        <p:nvPicPr>
+          <p:cNvPr id="13" name="Afbeelding 12" descr="Afbeelding met illustratie&#10;&#10;Beschrijving is gegenereerd met zeer hoge betrouwbaarheid">
+            <a:extLst>
+              <a:ext uri="{FF2B5EF4-FFF2-40B4-BE49-F238E27FC236}">
+                <a16:creationId xmlns:a16="http://schemas.microsoft.com/office/drawing/2014/main" id="{18BF46D7-9EFE-4957-8928-4150AC59399F}"/>
+              </a:ext>
+            </a:extLst>
+          </p:cNvPr>
+          <p:cNvPicPr>
+            <a:picLocks noChangeAspect="1"/>
+          </p:cNvPicPr>
+          <p:nvPr/>
+        </p:nvPicPr>
+        <p:blipFill>
+          <a:blip r:embed="rId2">
+            <a:extLst>
+              <a:ext uri="{28A0092B-C50C-407E-A947-70E740481C1C}">
+                <a14:useLocalDpi xmlns:a14="http://schemas.microsoft.com/office/drawing/2010/main" val="0"/>
+              </a:ext>
+            </a:extLst>
+          </a:blip>
+          <a:stretch>
+            <a:fillRect/>
+          </a:stretch>
+        </p:blipFill>
+        <p:spPr>
+          <a:xfrm>
+            <a:off x="1916355" y="710747"/>
+            <a:ext cx="1032731" cy="1032731"/>
+          </a:xfrm>
+          <a:prstGeom prst="rect">
+            <a:avLst/>
+          </a:prstGeom>
+        </p:spPr>
+      </p:pic>
+      <p:pic>
+        <p:nvPicPr>
+          <p:cNvPr id="17" name="Afbeelding 16" descr="Afbeelding met object&#10;&#10;Beschrijving is gegenereerd met zeer hoge betrouwbaarheid">
+            <a:extLst>
+              <a:ext uri="{FF2B5EF4-FFF2-40B4-BE49-F238E27FC236}">
+                <a16:creationId xmlns:a16="http://schemas.microsoft.com/office/drawing/2014/main" id="{51A4FBA6-638C-402D-A1E9-A40E5AEA157B}"/>
+              </a:ext>
+            </a:extLst>
+          </p:cNvPr>
+          <p:cNvPicPr>
+            <a:picLocks noChangeAspect="1"/>
+          </p:cNvPicPr>
+          <p:nvPr/>
+        </p:nvPicPr>
+        <p:blipFill>
+          <a:blip r:embed="rId4">
+            <a:extLst>
+              <a:ext uri="{28A0092B-C50C-407E-A947-70E740481C1C}">
+                <a14:useLocalDpi xmlns:a14="http://schemas.microsoft.com/office/drawing/2010/main" val="0"/>
+              </a:ext>
+            </a:extLst>
+          </a:blip>
+          <a:stretch>
+            <a:fillRect/>
+          </a:stretch>
+        </p:blipFill>
+        <p:spPr>
+          <a:xfrm>
+            <a:off x="519977" y="3838991"/>
+            <a:ext cx="771262" cy="758190"/>
+          </a:xfrm>
+          <a:prstGeom prst="rect">
+            <a:avLst/>
+          </a:prstGeom>
+        </p:spPr>
+      </p:pic>
+      <p:pic>
+        <p:nvPicPr>
+          <p:cNvPr id="19" name="Afbeelding 18" descr="Afbeelding met object&#10;&#10;Beschrijving is gegenereerd met zeer hoge betrouwbaarheid">
+            <a:extLst>
+              <a:ext uri="{FF2B5EF4-FFF2-40B4-BE49-F238E27FC236}">
+                <a16:creationId xmlns:a16="http://schemas.microsoft.com/office/drawing/2014/main" id="{FD54AEA7-2404-4681-9BCF-DB07C56D7C81}"/>
+              </a:ext>
+            </a:extLst>
+          </p:cNvPr>
+          <p:cNvPicPr>
+            <a:picLocks noChangeAspect="1"/>
+          </p:cNvPicPr>
+          <p:nvPr/>
+        </p:nvPicPr>
+        <p:blipFill>
+          <a:blip r:embed="rId5">
+            <a:extLst>
+              <a:ext uri="{28A0092B-C50C-407E-A947-70E740481C1C}">
+                <a14:useLocalDpi xmlns:a14="http://schemas.microsoft.com/office/drawing/2010/main" val="0"/>
+              </a:ext>
+            </a:extLst>
+          </a:blip>
+          <a:stretch>
+            <a:fillRect/>
+          </a:stretch>
+        </p:blipFill>
+        <p:spPr>
+          <a:xfrm>
+            <a:off x="3060456" y="5060962"/>
+            <a:ext cx="891430" cy="891430"/>
+          </a:xfrm>
+          <a:prstGeom prst="rect">
+            <a:avLst/>
+          </a:prstGeom>
+        </p:spPr>
+      </p:pic>
+      <p:pic>
+        <p:nvPicPr>
+          <p:cNvPr id="20" name="Afbeelding 19" descr="Afbeelding met illustratie&#10;&#10;Beschrijving is gegenereerd met zeer hoge betrouwbaarheid">
+            <a:extLst>
+              <a:ext uri="{FF2B5EF4-FFF2-40B4-BE49-F238E27FC236}">
+                <a16:creationId xmlns:a16="http://schemas.microsoft.com/office/drawing/2014/main" id="{EC9D2C96-A552-4871-8411-33B6D24C7632}"/>
+              </a:ext>
+            </a:extLst>
+          </p:cNvPr>
+          <p:cNvPicPr>
+            <a:picLocks noChangeAspect="1"/>
+          </p:cNvPicPr>
+          <p:nvPr/>
+        </p:nvPicPr>
+        <p:blipFill>
+          <a:blip r:embed="rId2">
+            <a:extLst>
+              <a:ext uri="{28A0092B-C50C-407E-A947-70E740481C1C}">
+                <a14:useLocalDpi xmlns:a14="http://schemas.microsoft.com/office/drawing/2010/main" val="0"/>
+              </a:ext>
+            </a:extLst>
+          </a:blip>
+          <a:stretch>
+            <a:fillRect/>
+          </a:stretch>
+        </p:blipFill>
+        <p:spPr>
+          <a:xfrm>
+            <a:off x="1147436" y="5520272"/>
+            <a:ext cx="582623" cy="582623"/>
+          </a:xfrm>
+          <a:prstGeom prst="rect">
+            <a:avLst/>
+          </a:prstGeom>
+        </p:spPr>
+      </p:pic>
     </p:spTree>
     <p:extLst>
       <p:ext uri="{BB962C8B-B14F-4D97-AF65-F5344CB8AC3E}">
@@ -3732,67 +3973,92 @@
         </p:nvSpPr>
         <p:spPr>
           <a:xfrm>
-            <a:off x="3156438" y="415925"/>
-            <a:ext cx="8197362" cy="1325563"/>
-          </a:xfrm>
-        </p:spPr>
-        <p:txBody>
-          <a:bodyPr/>
-          <a:lstStyle/>
-          <a:p>
-            <a:r>
-              <a:rPr lang="en-GB" dirty="0">
+            <a:off x="4862146" y="479462"/>
+            <a:ext cx="7007469" cy="1325563"/>
+          </a:xfrm>
+        </p:spPr>
+        <p:txBody>
+          <a:bodyPr/>
+          <a:lstStyle/>
+          <a:p>
+            <a:r>
+              <a:rPr lang="en-GB" dirty="0" err="1">
+                <a:solidFill>
+                  <a:srgbClr val="332767"/>
+                </a:solidFill>
                 <a:latin typeface="Montserrat Medium" panose="00000600000000000000" pitchFamily="2" charset="0"/>
               </a:rPr>
-              <a:t>Define</a:t>
-            </a:r>
+              <a:t>Eerste</a:t>
+            </a:r>
+            <a:r>
+              <a:rPr lang="en-GB" dirty="0">
+                <a:solidFill>
+                  <a:srgbClr val="332767"/>
+                </a:solidFill>
+                <a:latin typeface="Montserrat Medium" panose="00000600000000000000" pitchFamily="2" charset="0"/>
+              </a:rPr>
+              <a:t> Design</a:t>
+            </a:r>
+            <a:endParaRPr lang="nl-BE" dirty="0">
+              <a:solidFill>
+                <a:srgbClr val="332767"/>
+              </a:solidFill>
+              <a:latin typeface="Montserrat Medium" panose="00000600000000000000" pitchFamily="2" charset="0"/>
+            </a:endParaRPr>
+          </a:p>
+        </p:txBody>
+      </p:sp>
+      <p:sp>
+        <p:nvSpPr>
+          <p:cNvPr id="3" name="Tijdelijke aanduiding voor inhoud 2">
+            <a:extLst>
+              <a:ext uri="{FF2B5EF4-FFF2-40B4-BE49-F238E27FC236}">
+                <a16:creationId xmlns:a16="http://schemas.microsoft.com/office/drawing/2014/main" id="{5A3C4568-9A66-4544-B1CA-FBD7BD433689}"/>
+              </a:ext>
+            </a:extLst>
+          </p:cNvPr>
+          <p:cNvSpPr>
+            <a:spLocks noGrp="1"/>
+          </p:cNvSpPr>
+          <p:nvPr>
+            <p:ph idx="1"/>
+          </p:nvPr>
+        </p:nvSpPr>
+        <p:spPr>
+          <a:xfrm>
+            <a:off x="4862146" y="1743478"/>
+            <a:ext cx="7007469" cy="4351338"/>
+          </a:xfrm>
+        </p:spPr>
+        <p:txBody>
+          <a:bodyPr/>
+          <a:lstStyle/>
+          <a:p>
+            <a:r>
+              <a:rPr lang="nl-BE" dirty="0">
+                <a:latin typeface="Montserrat Medium" panose="00000600000000000000" pitchFamily="2" charset="0"/>
+              </a:rPr>
+              <a:t>App: Positieve gevoelens opwekken</a:t>
+            </a:r>
+          </a:p>
+          <a:p>
             <a:endParaRPr lang="nl-BE" dirty="0">
               <a:latin typeface="Montserrat Medium" panose="00000600000000000000" pitchFamily="2" charset="0"/>
             </a:endParaRPr>
           </a:p>
-        </p:txBody>
-      </p:sp>
-      <p:pic>
-        <p:nvPicPr>
-          <p:cNvPr id="6" name="Tijdelijke aanduiding voor inhoud 5" descr="Afbeelding met tekst&#10;&#10;Beschrijving is gegenereerd met zeer hoge betrouwbaarheid">
-            <a:extLst>
-              <a:ext uri="{FF2B5EF4-FFF2-40B4-BE49-F238E27FC236}">
-                <a16:creationId xmlns:a16="http://schemas.microsoft.com/office/drawing/2014/main" id="{7C07D0D1-A1D9-401C-ADD8-083B3F59289D}"/>
-              </a:ext>
-            </a:extLst>
-          </p:cNvPr>
-          <p:cNvPicPr>
-            <a:picLocks noGrp="1" noChangeAspect="1"/>
-          </p:cNvPicPr>
-          <p:nvPr>
-            <p:ph idx="1"/>
-          </p:nvPr>
-        </p:nvPicPr>
-        <p:blipFill>
-          <a:blip r:embed="rId2">
-            <a:extLst>
-              <a:ext uri="{28A0092B-C50C-407E-A947-70E740481C1C}">
-                <a14:useLocalDpi xmlns:a14="http://schemas.microsoft.com/office/drawing/2010/main" val="0"/>
-              </a:ext>
-            </a:extLst>
-          </a:blip>
-          <a:stretch>
-            <a:fillRect/>
-          </a:stretch>
-        </p:blipFill>
-        <p:spPr>
-          <a:xfrm rot="5400000">
-            <a:off x="7217749" y="2493127"/>
-            <a:ext cx="4887690" cy="3384412"/>
-          </a:xfrm>
-        </p:spPr>
-      </p:pic>
-      <p:sp>
-        <p:nvSpPr>
-          <p:cNvPr id="4" name="Rechthoek 3">
-            <a:extLst>
-              <a:ext uri="{FF2B5EF4-FFF2-40B4-BE49-F238E27FC236}">
-                <a16:creationId xmlns:a16="http://schemas.microsoft.com/office/drawing/2014/main" id="{B1730B8E-B52B-49B0-BF35-2CFAED685EDB}"/>
+          <a:p>
+            <a:endParaRPr lang="nl-BE" dirty="0">
+              <a:latin typeface="Montserrat Medium" panose="00000600000000000000" pitchFamily="2" charset="0"/>
+            </a:endParaRPr>
+          </a:p>
+        </p:txBody>
+      </p:sp>
+      <p:sp>
+        <p:nvSpPr>
+          <p:cNvPr id="5" name="Rechthoek 4">
+            <a:extLst>
+              <a:ext uri="{FF2B5EF4-FFF2-40B4-BE49-F238E27FC236}">
+                <a16:creationId xmlns:a16="http://schemas.microsoft.com/office/drawing/2014/main" id="{0A649DEA-802F-4D39-A7B3-F4221680DDEE}"/>
               </a:ext>
             </a:extLst>
           </p:cNvPr>
@@ -3802,13 +4068,13 @@
         <p:spPr>
           <a:xfrm>
             <a:off x="-131885" y="-243840"/>
-            <a:ext cx="3086100" cy="7307971"/>
+            <a:ext cx="4607170" cy="7165731"/>
           </a:xfrm>
           <a:prstGeom prst="rect">
             <a:avLst/>
           </a:prstGeom>
           <a:solidFill>
-            <a:srgbClr val="9933FF"/>
+            <a:srgbClr val="332767"/>
           </a:solidFill>
           <a:ln>
             <a:noFill/>
@@ -3834,15 +4100,230 @@
           <a:bodyPr rtlCol="0" anchor="ctr"/>
           <a:lstStyle/>
           <a:p>
-            <a:pPr algn="ctr"/>
-            <a:endParaRPr lang="nl-BE"/>
-          </a:p>
-        </p:txBody>
-      </p:sp>
+            <a:endParaRPr lang="nl-BE" dirty="0"/>
+          </a:p>
+        </p:txBody>
+      </p:sp>
+      <p:pic>
+        <p:nvPicPr>
+          <p:cNvPr id="9" name="Afbeelding 8" descr="Afbeelding met illustratie&#10;&#10;Beschrijving is gegenereerd met zeer hoge betrouwbaarheid">
+            <a:extLst>
+              <a:ext uri="{FF2B5EF4-FFF2-40B4-BE49-F238E27FC236}">
+                <a16:creationId xmlns:a16="http://schemas.microsoft.com/office/drawing/2014/main" id="{1711D5F9-D8F5-4DFC-996B-DD3B3F0055BB}"/>
+              </a:ext>
+            </a:extLst>
+          </p:cNvPr>
+          <p:cNvPicPr>
+            <a:picLocks noChangeAspect="1"/>
+          </p:cNvPicPr>
+          <p:nvPr/>
+        </p:nvPicPr>
+        <p:blipFill>
+          <a:blip r:embed="rId2">
+            <a:extLst>
+              <a:ext uri="{28A0092B-C50C-407E-A947-70E740481C1C}">
+                <a14:useLocalDpi xmlns:a14="http://schemas.microsoft.com/office/drawing/2010/main" val="0"/>
+              </a:ext>
+            </a:extLst>
+          </a:blip>
+          <a:stretch>
+            <a:fillRect/>
+          </a:stretch>
+        </p:blipFill>
+        <p:spPr>
+          <a:xfrm>
+            <a:off x="2958976" y="2687294"/>
+            <a:ext cx="818785" cy="818785"/>
+          </a:xfrm>
+          <a:prstGeom prst="rect">
+            <a:avLst/>
+          </a:prstGeom>
+        </p:spPr>
+      </p:pic>
+      <p:pic>
+        <p:nvPicPr>
+          <p:cNvPr id="11" name="Afbeelding 10" descr="Afbeelding met illustratie&#10;&#10;Beschrijving is gegenereerd met hoge betrouwbaarheid">
+            <a:extLst>
+              <a:ext uri="{FF2B5EF4-FFF2-40B4-BE49-F238E27FC236}">
+                <a16:creationId xmlns:a16="http://schemas.microsoft.com/office/drawing/2014/main" id="{A8457909-734A-4217-8609-20669BE1BD54}"/>
+              </a:ext>
+            </a:extLst>
+          </p:cNvPr>
+          <p:cNvPicPr>
+            <a:picLocks noChangeAspect="1"/>
+          </p:cNvPicPr>
+          <p:nvPr/>
+        </p:nvPicPr>
+        <p:blipFill>
+          <a:blip r:embed="rId3">
+            <a:extLst>
+              <a:ext uri="{28A0092B-C50C-407E-A947-70E740481C1C}">
+                <a14:useLocalDpi xmlns:a14="http://schemas.microsoft.com/office/drawing/2010/main" val="0"/>
+              </a:ext>
+            </a:extLst>
+          </a:blip>
+          <a:stretch>
+            <a:fillRect/>
+          </a:stretch>
+        </p:blipFill>
+        <p:spPr>
+          <a:xfrm>
+            <a:off x="838673" y="1805025"/>
+            <a:ext cx="600075" cy="600075"/>
+          </a:xfrm>
+          <a:prstGeom prst="rect">
+            <a:avLst/>
+          </a:prstGeom>
+        </p:spPr>
+      </p:pic>
+      <p:pic>
+        <p:nvPicPr>
+          <p:cNvPr id="17" name="Afbeelding 16" descr="Afbeelding met object&#10;&#10;Beschrijving is gegenereerd met zeer hoge betrouwbaarheid">
+            <a:extLst>
+              <a:ext uri="{FF2B5EF4-FFF2-40B4-BE49-F238E27FC236}">
+                <a16:creationId xmlns:a16="http://schemas.microsoft.com/office/drawing/2014/main" id="{51A4FBA6-638C-402D-A1E9-A40E5AEA157B}"/>
+              </a:ext>
+            </a:extLst>
+          </p:cNvPr>
+          <p:cNvPicPr>
+            <a:picLocks noChangeAspect="1"/>
+          </p:cNvPicPr>
+          <p:nvPr/>
+        </p:nvPicPr>
+        <p:blipFill>
+          <a:blip r:embed="rId4">
+            <a:extLst>
+              <a:ext uri="{28A0092B-C50C-407E-A947-70E740481C1C}">
+                <a14:useLocalDpi xmlns:a14="http://schemas.microsoft.com/office/drawing/2010/main" val="0"/>
+              </a:ext>
+            </a:extLst>
+          </a:blip>
+          <a:stretch>
+            <a:fillRect/>
+          </a:stretch>
+        </p:blipFill>
+        <p:spPr>
+          <a:xfrm>
+            <a:off x="519977" y="3838991"/>
+            <a:ext cx="771262" cy="758190"/>
+          </a:xfrm>
+          <a:prstGeom prst="rect">
+            <a:avLst/>
+          </a:prstGeom>
+        </p:spPr>
+      </p:pic>
+      <p:pic>
+        <p:nvPicPr>
+          <p:cNvPr id="19" name="Afbeelding 18" descr="Afbeelding met object&#10;&#10;Beschrijving is gegenereerd met zeer hoge betrouwbaarheid">
+            <a:extLst>
+              <a:ext uri="{FF2B5EF4-FFF2-40B4-BE49-F238E27FC236}">
+                <a16:creationId xmlns:a16="http://schemas.microsoft.com/office/drawing/2014/main" id="{FD54AEA7-2404-4681-9BCF-DB07C56D7C81}"/>
+              </a:ext>
+            </a:extLst>
+          </p:cNvPr>
+          <p:cNvPicPr>
+            <a:picLocks noChangeAspect="1"/>
+          </p:cNvPicPr>
+          <p:nvPr/>
+        </p:nvPicPr>
+        <p:blipFill>
+          <a:blip r:embed="rId5">
+            <a:extLst>
+              <a:ext uri="{28A0092B-C50C-407E-A947-70E740481C1C}">
+                <a14:useLocalDpi xmlns:a14="http://schemas.microsoft.com/office/drawing/2010/main" val="0"/>
+              </a:ext>
+            </a:extLst>
+          </a:blip>
+          <a:stretch>
+            <a:fillRect/>
+          </a:stretch>
+        </p:blipFill>
+        <p:spPr>
+          <a:xfrm>
+            <a:off x="3060456" y="5060962"/>
+            <a:ext cx="891430" cy="891430"/>
+          </a:xfrm>
+          <a:prstGeom prst="rect">
+            <a:avLst/>
+          </a:prstGeom>
+        </p:spPr>
+      </p:pic>
+      <p:pic>
+        <p:nvPicPr>
+          <p:cNvPr id="20" name="Afbeelding 19" descr="Afbeelding met illustratie&#10;&#10;Beschrijving is gegenereerd met zeer hoge betrouwbaarheid">
+            <a:extLst>
+              <a:ext uri="{FF2B5EF4-FFF2-40B4-BE49-F238E27FC236}">
+                <a16:creationId xmlns:a16="http://schemas.microsoft.com/office/drawing/2014/main" id="{EC9D2C96-A552-4871-8411-33B6D24C7632}"/>
+              </a:ext>
+            </a:extLst>
+          </p:cNvPr>
+          <p:cNvPicPr>
+            <a:picLocks noChangeAspect="1"/>
+          </p:cNvPicPr>
+          <p:nvPr/>
+        </p:nvPicPr>
+        <p:blipFill>
+          <a:blip r:embed="rId2">
+            <a:extLst>
+              <a:ext uri="{28A0092B-C50C-407E-A947-70E740481C1C}">
+                <a14:useLocalDpi xmlns:a14="http://schemas.microsoft.com/office/drawing/2010/main" val="0"/>
+              </a:ext>
+            </a:extLst>
+          </a:blip>
+          <a:stretch>
+            <a:fillRect/>
+          </a:stretch>
+        </p:blipFill>
+        <p:spPr>
+          <a:xfrm>
+            <a:off x="1147436" y="5520272"/>
+            <a:ext cx="582623" cy="582623"/>
+          </a:xfrm>
+          <a:prstGeom prst="rect">
+            <a:avLst/>
+          </a:prstGeom>
+        </p:spPr>
+      </p:pic>
+      <p:pic>
+        <p:nvPicPr>
+          <p:cNvPr id="6" name="Afbeelding 5" descr="Afbeelding met tekst&#10;&#10;Beschrijving is gegenereerd met zeer hoge betrouwbaarheid">
+            <a:extLst>
+              <a:ext uri="{FF2B5EF4-FFF2-40B4-BE49-F238E27FC236}">
+                <a16:creationId xmlns:a16="http://schemas.microsoft.com/office/drawing/2014/main" id="{4D32D552-4F10-422D-9CA1-7EDBD22D0ED8}"/>
+              </a:ext>
+            </a:extLst>
+          </p:cNvPr>
+          <p:cNvPicPr>
+            <a:picLocks noChangeAspect="1"/>
+          </p:cNvPicPr>
+          <p:nvPr/>
+        </p:nvPicPr>
+        <p:blipFill>
+          <a:blip r:embed="rId6">
+            <a:extLst>
+              <a:ext uri="{28A0092B-C50C-407E-A947-70E740481C1C}">
+                <a14:useLocalDpi xmlns:a14="http://schemas.microsoft.com/office/drawing/2010/main" val="0"/>
+              </a:ext>
+            </a:extLst>
+          </a:blip>
+          <a:stretch>
+            <a:fillRect/>
+          </a:stretch>
+        </p:blipFill>
+        <p:spPr>
+          <a:xfrm rot="5400000">
+            <a:off x="-547171" y="1356877"/>
+            <a:ext cx="5525661" cy="4144245"/>
+          </a:xfrm>
+          <a:prstGeom prst="rect">
+            <a:avLst/>
+          </a:prstGeom>
+        </p:spPr>
+      </p:pic>
     </p:spTree>
     <p:extLst>
       <p:ext uri="{BB962C8B-B14F-4D97-AF65-F5344CB8AC3E}">
-        <p14:creationId xmlns:p14="http://schemas.microsoft.com/office/powerpoint/2010/main" val="2523305867"/>
+        <p14:creationId xmlns:p14="http://schemas.microsoft.com/office/powerpoint/2010/main" val="1514803346"/>
       </p:ext>
     </p:extLst>
   </p:cSld>
@@ -3887,7 +4368,7 @@
         </p:nvSpPr>
         <p:spPr>
           <a:xfrm>
-            <a:off x="3156438" y="415925"/>
+            <a:off x="4862146" y="479462"/>
             <a:ext cx="8197362" cy="1325563"/>
           </a:xfrm>
         </p:spPr>
@@ -3897,57 +4378,69 @@
           <a:p>
             <a:r>
               <a:rPr lang="en-GB" dirty="0">
+                <a:solidFill>
+                  <a:srgbClr val="332767"/>
+                </a:solidFill>
                 <a:latin typeface="Montserrat Medium" panose="00000600000000000000" pitchFamily="2" charset="0"/>
               </a:rPr>
-              <a:t>Design</a:t>
-            </a:r>
+              <a:t>Opdracht van </a:t>
+            </a:r>
+            <a:r>
+              <a:rPr lang="en-GB" dirty="0" err="1">
+                <a:solidFill>
+                  <a:srgbClr val="332767"/>
+                </a:solidFill>
+                <a:latin typeface="Montserrat Medium" panose="00000600000000000000" pitchFamily="2" charset="0"/>
+              </a:rPr>
+              <a:t>klant</a:t>
+            </a:r>
+            <a:endParaRPr lang="nl-BE" dirty="0">
+              <a:solidFill>
+                <a:srgbClr val="332767"/>
+              </a:solidFill>
+              <a:latin typeface="Montserrat Medium" panose="00000600000000000000" pitchFamily="2" charset="0"/>
+            </a:endParaRPr>
+          </a:p>
+        </p:txBody>
+      </p:sp>
+      <p:sp>
+        <p:nvSpPr>
+          <p:cNvPr id="3" name="Tijdelijke aanduiding voor inhoud 2">
+            <a:extLst>
+              <a:ext uri="{FF2B5EF4-FFF2-40B4-BE49-F238E27FC236}">
+                <a16:creationId xmlns:a16="http://schemas.microsoft.com/office/drawing/2014/main" id="{5A3C4568-9A66-4544-B1CA-FBD7BD433689}"/>
+              </a:ext>
+            </a:extLst>
+          </p:cNvPr>
+          <p:cNvSpPr>
+            <a:spLocks noGrp="1"/>
+          </p:cNvSpPr>
+          <p:nvPr>
+            <p:ph idx="1"/>
+          </p:nvPr>
+        </p:nvSpPr>
+        <p:spPr>
+          <a:xfrm>
+            <a:off x="4862146" y="1743478"/>
+            <a:ext cx="7077808" cy="4351338"/>
+          </a:xfrm>
+        </p:spPr>
+        <p:txBody>
+          <a:bodyPr/>
+          <a:lstStyle/>
+          <a:p>
+            <a:r>
+              <a:rPr lang="nl-BE" dirty="0">
+                <a:latin typeface="Montserrat Medium" panose="00000600000000000000" pitchFamily="2" charset="0"/>
+              </a:rPr>
+              <a:t>App: Positieve gevoelens opwekken</a:t>
+            </a:r>
+          </a:p>
+          <a:p>
             <a:endParaRPr lang="nl-BE" dirty="0">
               <a:latin typeface="Montserrat Medium" panose="00000600000000000000" pitchFamily="2" charset="0"/>
             </a:endParaRPr>
           </a:p>
-        </p:txBody>
-      </p:sp>
-      <p:sp>
-        <p:nvSpPr>
-          <p:cNvPr id="3" name="Tijdelijke aanduiding voor inhoud 2">
-            <a:extLst>
-              <a:ext uri="{FF2B5EF4-FFF2-40B4-BE49-F238E27FC236}">
-                <a16:creationId xmlns:a16="http://schemas.microsoft.com/office/drawing/2014/main" id="{5A3C4568-9A66-4544-B1CA-FBD7BD433689}"/>
-              </a:ext>
-            </a:extLst>
-          </p:cNvPr>
-          <p:cNvSpPr>
-            <a:spLocks noGrp="1"/>
-          </p:cNvSpPr>
-          <p:nvPr>
-            <p:ph idx="1"/>
-          </p:nvPr>
-        </p:nvSpPr>
-        <p:spPr>
-          <a:xfrm>
-            <a:off x="3156438" y="1825625"/>
-            <a:ext cx="8197362" cy="4351338"/>
-          </a:xfrm>
-        </p:spPr>
-        <p:txBody>
-          <a:bodyPr/>
-          <a:lstStyle/>
-          <a:p>
-            <a:r>
-              <a:rPr lang="nl-BE" dirty="0">
-                <a:latin typeface="Montserrat Medium" panose="00000600000000000000" pitchFamily="2" charset="0"/>
-              </a:rPr>
-              <a:t>Doelgroep: 15 – 35 jaar</a:t>
-            </a:r>
-          </a:p>
-          <a:p>
-            <a:r>
-              <a:rPr lang="nl-BE" dirty="0">
-                <a:latin typeface="Montserrat Medium" panose="00000600000000000000" pitchFamily="2" charset="0"/>
-              </a:rPr>
-              <a:t>Gelukkiger</a:t>
-            </a:r>
-          </a:p>
           <a:p>
             <a:endParaRPr lang="nl-BE" dirty="0">
               <a:latin typeface="Montserrat Medium" panose="00000600000000000000" pitchFamily="2" charset="0"/>
@@ -3957,10 +4450,10 @@
       </p:sp>
       <p:sp>
         <p:nvSpPr>
-          <p:cNvPr id="4" name="Rechthoek 3">
-            <a:extLst>
-              <a:ext uri="{FF2B5EF4-FFF2-40B4-BE49-F238E27FC236}">
-                <a16:creationId xmlns:a16="http://schemas.microsoft.com/office/drawing/2014/main" id="{B1730B8E-B52B-49B0-BF35-2CFAED685EDB}"/>
+          <p:cNvPr id="5" name="Rechthoek 4">
+            <a:extLst>
+              <a:ext uri="{FF2B5EF4-FFF2-40B4-BE49-F238E27FC236}">
+                <a16:creationId xmlns:a16="http://schemas.microsoft.com/office/drawing/2014/main" id="{0A649DEA-802F-4D39-A7B3-F4221680DDEE}"/>
               </a:ext>
             </a:extLst>
           </p:cNvPr>
@@ -3969,14 +4462,14 @@
         </p:nvSpPr>
         <p:spPr>
           <a:xfrm>
-            <a:off x="-131885" y="-142240"/>
-            <a:ext cx="3086100" cy="7307971"/>
+            <a:off x="-131885" y="-243840"/>
+            <a:ext cx="4607170" cy="7165731"/>
           </a:xfrm>
           <a:prstGeom prst="rect">
             <a:avLst/>
           </a:prstGeom>
           <a:solidFill>
-            <a:srgbClr val="9933FF"/>
+            <a:srgbClr val="332767"/>
           </a:solidFill>
           <a:ln>
             <a:noFill/>
@@ -4002,15 +4495,230 @@
           <a:bodyPr rtlCol="0" anchor="ctr"/>
           <a:lstStyle/>
           <a:p>
-            <a:pPr algn="ctr"/>
-            <a:endParaRPr lang="nl-BE"/>
-          </a:p>
-        </p:txBody>
-      </p:sp>
+            <a:endParaRPr lang="nl-BE" dirty="0"/>
+          </a:p>
+        </p:txBody>
+      </p:sp>
+      <p:pic>
+        <p:nvPicPr>
+          <p:cNvPr id="9" name="Afbeelding 8" descr="Afbeelding met illustratie&#10;&#10;Beschrijving is gegenereerd met zeer hoge betrouwbaarheid">
+            <a:extLst>
+              <a:ext uri="{FF2B5EF4-FFF2-40B4-BE49-F238E27FC236}">
+                <a16:creationId xmlns:a16="http://schemas.microsoft.com/office/drawing/2014/main" id="{1711D5F9-D8F5-4DFC-996B-DD3B3F0055BB}"/>
+              </a:ext>
+            </a:extLst>
+          </p:cNvPr>
+          <p:cNvPicPr>
+            <a:picLocks noChangeAspect="1"/>
+          </p:cNvPicPr>
+          <p:nvPr/>
+        </p:nvPicPr>
+        <p:blipFill>
+          <a:blip r:embed="rId2">
+            <a:extLst>
+              <a:ext uri="{28A0092B-C50C-407E-A947-70E740481C1C}">
+                <a14:useLocalDpi xmlns:a14="http://schemas.microsoft.com/office/drawing/2010/main" val="0"/>
+              </a:ext>
+            </a:extLst>
+          </a:blip>
+          <a:stretch>
+            <a:fillRect/>
+          </a:stretch>
+        </p:blipFill>
+        <p:spPr>
+          <a:xfrm>
+            <a:off x="2958976" y="2687294"/>
+            <a:ext cx="818785" cy="818785"/>
+          </a:xfrm>
+          <a:prstGeom prst="rect">
+            <a:avLst/>
+          </a:prstGeom>
+        </p:spPr>
+      </p:pic>
+      <p:pic>
+        <p:nvPicPr>
+          <p:cNvPr id="11" name="Afbeelding 10" descr="Afbeelding met illustratie&#10;&#10;Beschrijving is gegenereerd met hoge betrouwbaarheid">
+            <a:extLst>
+              <a:ext uri="{FF2B5EF4-FFF2-40B4-BE49-F238E27FC236}">
+                <a16:creationId xmlns:a16="http://schemas.microsoft.com/office/drawing/2014/main" id="{A8457909-734A-4217-8609-20669BE1BD54}"/>
+              </a:ext>
+            </a:extLst>
+          </p:cNvPr>
+          <p:cNvPicPr>
+            <a:picLocks noChangeAspect="1"/>
+          </p:cNvPicPr>
+          <p:nvPr/>
+        </p:nvPicPr>
+        <p:blipFill>
+          <a:blip r:embed="rId3">
+            <a:extLst>
+              <a:ext uri="{28A0092B-C50C-407E-A947-70E740481C1C}">
+                <a14:useLocalDpi xmlns:a14="http://schemas.microsoft.com/office/drawing/2010/main" val="0"/>
+              </a:ext>
+            </a:extLst>
+          </a:blip>
+          <a:stretch>
+            <a:fillRect/>
+          </a:stretch>
+        </p:blipFill>
+        <p:spPr>
+          <a:xfrm>
+            <a:off x="838673" y="1805025"/>
+            <a:ext cx="600075" cy="600075"/>
+          </a:xfrm>
+          <a:prstGeom prst="rect">
+            <a:avLst/>
+          </a:prstGeom>
+        </p:spPr>
+      </p:pic>
+      <p:pic>
+        <p:nvPicPr>
+          <p:cNvPr id="13" name="Afbeelding 12" descr="Afbeelding met illustratie&#10;&#10;Beschrijving is gegenereerd met zeer hoge betrouwbaarheid">
+            <a:extLst>
+              <a:ext uri="{FF2B5EF4-FFF2-40B4-BE49-F238E27FC236}">
+                <a16:creationId xmlns:a16="http://schemas.microsoft.com/office/drawing/2014/main" id="{18BF46D7-9EFE-4957-8928-4150AC59399F}"/>
+              </a:ext>
+            </a:extLst>
+          </p:cNvPr>
+          <p:cNvPicPr>
+            <a:picLocks noChangeAspect="1"/>
+          </p:cNvPicPr>
+          <p:nvPr/>
+        </p:nvPicPr>
+        <p:blipFill>
+          <a:blip r:embed="rId2">
+            <a:extLst>
+              <a:ext uri="{28A0092B-C50C-407E-A947-70E740481C1C}">
+                <a14:useLocalDpi xmlns:a14="http://schemas.microsoft.com/office/drawing/2010/main" val="0"/>
+              </a:ext>
+            </a:extLst>
+          </a:blip>
+          <a:stretch>
+            <a:fillRect/>
+          </a:stretch>
+        </p:blipFill>
+        <p:spPr>
+          <a:xfrm>
+            <a:off x="1916355" y="710747"/>
+            <a:ext cx="1032731" cy="1032731"/>
+          </a:xfrm>
+          <a:prstGeom prst="rect">
+            <a:avLst/>
+          </a:prstGeom>
+        </p:spPr>
+      </p:pic>
+      <p:pic>
+        <p:nvPicPr>
+          <p:cNvPr id="17" name="Afbeelding 16" descr="Afbeelding met object&#10;&#10;Beschrijving is gegenereerd met zeer hoge betrouwbaarheid">
+            <a:extLst>
+              <a:ext uri="{FF2B5EF4-FFF2-40B4-BE49-F238E27FC236}">
+                <a16:creationId xmlns:a16="http://schemas.microsoft.com/office/drawing/2014/main" id="{51A4FBA6-638C-402D-A1E9-A40E5AEA157B}"/>
+              </a:ext>
+            </a:extLst>
+          </p:cNvPr>
+          <p:cNvPicPr>
+            <a:picLocks noChangeAspect="1"/>
+          </p:cNvPicPr>
+          <p:nvPr/>
+        </p:nvPicPr>
+        <p:blipFill>
+          <a:blip r:embed="rId4">
+            <a:extLst>
+              <a:ext uri="{28A0092B-C50C-407E-A947-70E740481C1C}">
+                <a14:useLocalDpi xmlns:a14="http://schemas.microsoft.com/office/drawing/2010/main" val="0"/>
+              </a:ext>
+            </a:extLst>
+          </a:blip>
+          <a:stretch>
+            <a:fillRect/>
+          </a:stretch>
+        </p:blipFill>
+        <p:spPr>
+          <a:xfrm>
+            <a:off x="519977" y="3838991"/>
+            <a:ext cx="771262" cy="758190"/>
+          </a:xfrm>
+          <a:prstGeom prst="rect">
+            <a:avLst/>
+          </a:prstGeom>
+        </p:spPr>
+      </p:pic>
+      <p:pic>
+        <p:nvPicPr>
+          <p:cNvPr id="19" name="Afbeelding 18" descr="Afbeelding met object&#10;&#10;Beschrijving is gegenereerd met zeer hoge betrouwbaarheid">
+            <a:extLst>
+              <a:ext uri="{FF2B5EF4-FFF2-40B4-BE49-F238E27FC236}">
+                <a16:creationId xmlns:a16="http://schemas.microsoft.com/office/drawing/2014/main" id="{FD54AEA7-2404-4681-9BCF-DB07C56D7C81}"/>
+              </a:ext>
+            </a:extLst>
+          </p:cNvPr>
+          <p:cNvPicPr>
+            <a:picLocks noChangeAspect="1"/>
+          </p:cNvPicPr>
+          <p:nvPr/>
+        </p:nvPicPr>
+        <p:blipFill>
+          <a:blip r:embed="rId5">
+            <a:extLst>
+              <a:ext uri="{28A0092B-C50C-407E-A947-70E740481C1C}">
+                <a14:useLocalDpi xmlns:a14="http://schemas.microsoft.com/office/drawing/2010/main" val="0"/>
+              </a:ext>
+            </a:extLst>
+          </a:blip>
+          <a:stretch>
+            <a:fillRect/>
+          </a:stretch>
+        </p:blipFill>
+        <p:spPr>
+          <a:xfrm>
+            <a:off x="3060456" y="5060962"/>
+            <a:ext cx="891430" cy="891430"/>
+          </a:xfrm>
+          <a:prstGeom prst="rect">
+            <a:avLst/>
+          </a:prstGeom>
+        </p:spPr>
+      </p:pic>
+      <p:pic>
+        <p:nvPicPr>
+          <p:cNvPr id="20" name="Afbeelding 19" descr="Afbeelding met illustratie&#10;&#10;Beschrijving is gegenereerd met zeer hoge betrouwbaarheid">
+            <a:extLst>
+              <a:ext uri="{FF2B5EF4-FFF2-40B4-BE49-F238E27FC236}">
+                <a16:creationId xmlns:a16="http://schemas.microsoft.com/office/drawing/2014/main" id="{EC9D2C96-A552-4871-8411-33B6D24C7632}"/>
+              </a:ext>
+            </a:extLst>
+          </p:cNvPr>
+          <p:cNvPicPr>
+            <a:picLocks noChangeAspect="1"/>
+          </p:cNvPicPr>
+          <p:nvPr/>
+        </p:nvPicPr>
+        <p:blipFill>
+          <a:blip r:embed="rId2">
+            <a:extLst>
+              <a:ext uri="{28A0092B-C50C-407E-A947-70E740481C1C}">
+                <a14:useLocalDpi xmlns:a14="http://schemas.microsoft.com/office/drawing/2010/main" val="0"/>
+              </a:ext>
+            </a:extLst>
+          </a:blip>
+          <a:stretch>
+            <a:fillRect/>
+          </a:stretch>
+        </p:blipFill>
+        <p:spPr>
+          <a:xfrm>
+            <a:off x="1147436" y="5520272"/>
+            <a:ext cx="582623" cy="582623"/>
+          </a:xfrm>
+          <a:prstGeom prst="rect">
+            <a:avLst/>
+          </a:prstGeom>
+        </p:spPr>
+      </p:pic>
     </p:spTree>
     <p:extLst>
       <p:ext uri="{BB962C8B-B14F-4D97-AF65-F5344CB8AC3E}">
-        <p14:creationId xmlns:p14="http://schemas.microsoft.com/office/powerpoint/2010/main" val="569038415"/>
+        <p14:creationId xmlns:p14="http://schemas.microsoft.com/office/powerpoint/2010/main" val="3270801359"/>
       </p:ext>
     </p:extLst>
   </p:cSld>
@@ -4055,7 +4763,7 @@
         </p:nvSpPr>
         <p:spPr>
           <a:xfrm>
-            <a:off x="3156438" y="415925"/>
+            <a:off x="4862146" y="479462"/>
             <a:ext cx="8197362" cy="1325563"/>
           </a:xfrm>
         </p:spPr>
@@ -4067,7 +4775,13 @@
               <a:rPr lang="en-GB" dirty="0">
                 <a:latin typeface="Montserrat Medium" panose="00000600000000000000" pitchFamily="2" charset="0"/>
               </a:rPr>
-              <a:t>Prototype</a:t>
+              <a:t>Opdracht van </a:t>
+            </a:r>
+            <a:r>
+              <a:rPr lang="en-GB" dirty="0" err="1">
+                <a:latin typeface="Montserrat Medium" panose="00000600000000000000" pitchFamily="2" charset="0"/>
+              </a:rPr>
+              <a:t>klant</a:t>
             </a:r>
             <a:endParaRPr lang="nl-BE" dirty="0">
               <a:latin typeface="Montserrat Medium" panose="00000600000000000000" pitchFamily="2" charset="0"/>
@@ -4093,28 +4807,22 @@
         </p:nvSpPr>
         <p:spPr>
           <a:xfrm>
-            <a:off x="3156438" y="1825625"/>
-            <a:ext cx="8197362" cy="4351338"/>
-          </a:xfrm>
-        </p:spPr>
-        <p:txBody>
-          <a:bodyPr/>
-          <a:lstStyle/>
-          <a:p>
-            <a:r>
-              <a:rPr lang="en-GB" dirty="0">
+            <a:off x="4862146" y="1743478"/>
+            <a:ext cx="7077808" cy="4351338"/>
+          </a:xfrm>
+        </p:spPr>
+        <p:txBody>
+          <a:bodyPr/>
+          <a:lstStyle/>
+          <a:p>
+            <a:r>
+              <a:rPr lang="nl-BE" dirty="0">
                 <a:latin typeface="Montserrat Medium" panose="00000600000000000000" pitchFamily="2" charset="0"/>
               </a:rPr>
-              <a:t>Wireframes</a:t>
-            </a:r>
-          </a:p>
-          <a:p>
-            <a:r>
-              <a:rPr lang="en-GB" dirty="0">
-                <a:latin typeface="Montserrat Medium" panose="00000600000000000000" pitchFamily="2" charset="0"/>
-              </a:rPr>
-              <a:t>Wire flow</a:t>
-            </a:r>
+              <a:t>App: Positieve gevoelens opwekken</a:t>
+            </a:r>
+          </a:p>
+          <a:p>
             <a:endParaRPr lang="nl-BE" dirty="0">
               <a:latin typeface="Montserrat Medium" panose="00000600000000000000" pitchFamily="2" charset="0"/>
             </a:endParaRPr>
@@ -4128,10 +4836,10 @@
       </p:sp>
       <p:sp>
         <p:nvSpPr>
-          <p:cNvPr id="4" name="Rechthoek 3">
-            <a:extLst>
-              <a:ext uri="{FF2B5EF4-FFF2-40B4-BE49-F238E27FC236}">
-                <a16:creationId xmlns:a16="http://schemas.microsoft.com/office/drawing/2014/main" id="{B1730B8E-B52B-49B0-BF35-2CFAED685EDB}"/>
+          <p:cNvPr id="5" name="Rechthoek 4">
+            <a:extLst>
+              <a:ext uri="{FF2B5EF4-FFF2-40B4-BE49-F238E27FC236}">
+                <a16:creationId xmlns:a16="http://schemas.microsoft.com/office/drawing/2014/main" id="{0A649DEA-802F-4D39-A7B3-F4221680DDEE}"/>
               </a:ext>
             </a:extLst>
           </p:cNvPr>
@@ -4140,14 +4848,14 @@
         </p:nvSpPr>
         <p:spPr>
           <a:xfrm>
-            <a:off x="-131885" y="-142240"/>
-            <a:ext cx="3086100" cy="7307971"/>
+            <a:off x="-131885" y="-243840"/>
+            <a:ext cx="4607170" cy="7165731"/>
           </a:xfrm>
           <a:prstGeom prst="rect">
             <a:avLst/>
           </a:prstGeom>
           <a:solidFill>
-            <a:srgbClr val="9933FF"/>
+            <a:srgbClr val="332767"/>
           </a:solidFill>
           <a:ln>
             <a:noFill/>
@@ -4173,15 +4881,230 @@
           <a:bodyPr rtlCol="0" anchor="ctr"/>
           <a:lstStyle/>
           <a:p>
-            <a:pPr algn="ctr"/>
-            <a:endParaRPr lang="nl-BE"/>
-          </a:p>
-        </p:txBody>
-      </p:sp>
+            <a:endParaRPr lang="nl-BE" dirty="0"/>
+          </a:p>
+        </p:txBody>
+      </p:sp>
+      <p:pic>
+        <p:nvPicPr>
+          <p:cNvPr id="9" name="Afbeelding 8" descr="Afbeelding met illustratie&#10;&#10;Beschrijving is gegenereerd met zeer hoge betrouwbaarheid">
+            <a:extLst>
+              <a:ext uri="{FF2B5EF4-FFF2-40B4-BE49-F238E27FC236}">
+                <a16:creationId xmlns:a16="http://schemas.microsoft.com/office/drawing/2014/main" id="{1711D5F9-D8F5-4DFC-996B-DD3B3F0055BB}"/>
+              </a:ext>
+            </a:extLst>
+          </p:cNvPr>
+          <p:cNvPicPr>
+            <a:picLocks noChangeAspect="1"/>
+          </p:cNvPicPr>
+          <p:nvPr/>
+        </p:nvPicPr>
+        <p:blipFill>
+          <a:blip r:embed="rId2">
+            <a:extLst>
+              <a:ext uri="{28A0092B-C50C-407E-A947-70E740481C1C}">
+                <a14:useLocalDpi xmlns:a14="http://schemas.microsoft.com/office/drawing/2010/main" val="0"/>
+              </a:ext>
+            </a:extLst>
+          </a:blip>
+          <a:stretch>
+            <a:fillRect/>
+          </a:stretch>
+        </p:blipFill>
+        <p:spPr>
+          <a:xfrm>
+            <a:off x="2958976" y="2687294"/>
+            <a:ext cx="818785" cy="818785"/>
+          </a:xfrm>
+          <a:prstGeom prst="rect">
+            <a:avLst/>
+          </a:prstGeom>
+        </p:spPr>
+      </p:pic>
+      <p:pic>
+        <p:nvPicPr>
+          <p:cNvPr id="11" name="Afbeelding 10" descr="Afbeelding met illustratie&#10;&#10;Beschrijving is gegenereerd met hoge betrouwbaarheid">
+            <a:extLst>
+              <a:ext uri="{FF2B5EF4-FFF2-40B4-BE49-F238E27FC236}">
+                <a16:creationId xmlns:a16="http://schemas.microsoft.com/office/drawing/2014/main" id="{A8457909-734A-4217-8609-20669BE1BD54}"/>
+              </a:ext>
+            </a:extLst>
+          </p:cNvPr>
+          <p:cNvPicPr>
+            <a:picLocks noChangeAspect="1"/>
+          </p:cNvPicPr>
+          <p:nvPr/>
+        </p:nvPicPr>
+        <p:blipFill>
+          <a:blip r:embed="rId3">
+            <a:extLst>
+              <a:ext uri="{28A0092B-C50C-407E-A947-70E740481C1C}">
+                <a14:useLocalDpi xmlns:a14="http://schemas.microsoft.com/office/drawing/2010/main" val="0"/>
+              </a:ext>
+            </a:extLst>
+          </a:blip>
+          <a:stretch>
+            <a:fillRect/>
+          </a:stretch>
+        </p:blipFill>
+        <p:spPr>
+          <a:xfrm>
+            <a:off x="838673" y="1805025"/>
+            <a:ext cx="600075" cy="600075"/>
+          </a:xfrm>
+          <a:prstGeom prst="rect">
+            <a:avLst/>
+          </a:prstGeom>
+        </p:spPr>
+      </p:pic>
+      <p:pic>
+        <p:nvPicPr>
+          <p:cNvPr id="13" name="Afbeelding 12" descr="Afbeelding met illustratie&#10;&#10;Beschrijving is gegenereerd met zeer hoge betrouwbaarheid">
+            <a:extLst>
+              <a:ext uri="{FF2B5EF4-FFF2-40B4-BE49-F238E27FC236}">
+                <a16:creationId xmlns:a16="http://schemas.microsoft.com/office/drawing/2014/main" id="{18BF46D7-9EFE-4957-8928-4150AC59399F}"/>
+              </a:ext>
+            </a:extLst>
+          </p:cNvPr>
+          <p:cNvPicPr>
+            <a:picLocks noChangeAspect="1"/>
+          </p:cNvPicPr>
+          <p:nvPr/>
+        </p:nvPicPr>
+        <p:blipFill>
+          <a:blip r:embed="rId2">
+            <a:extLst>
+              <a:ext uri="{28A0092B-C50C-407E-A947-70E740481C1C}">
+                <a14:useLocalDpi xmlns:a14="http://schemas.microsoft.com/office/drawing/2010/main" val="0"/>
+              </a:ext>
+            </a:extLst>
+          </a:blip>
+          <a:stretch>
+            <a:fillRect/>
+          </a:stretch>
+        </p:blipFill>
+        <p:spPr>
+          <a:xfrm>
+            <a:off x="1916355" y="710747"/>
+            <a:ext cx="1032731" cy="1032731"/>
+          </a:xfrm>
+          <a:prstGeom prst="rect">
+            <a:avLst/>
+          </a:prstGeom>
+        </p:spPr>
+      </p:pic>
+      <p:pic>
+        <p:nvPicPr>
+          <p:cNvPr id="17" name="Afbeelding 16" descr="Afbeelding met object&#10;&#10;Beschrijving is gegenereerd met zeer hoge betrouwbaarheid">
+            <a:extLst>
+              <a:ext uri="{FF2B5EF4-FFF2-40B4-BE49-F238E27FC236}">
+                <a16:creationId xmlns:a16="http://schemas.microsoft.com/office/drawing/2014/main" id="{51A4FBA6-638C-402D-A1E9-A40E5AEA157B}"/>
+              </a:ext>
+            </a:extLst>
+          </p:cNvPr>
+          <p:cNvPicPr>
+            <a:picLocks noChangeAspect="1"/>
+          </p:cNvPicPr>
+          <p:nvPr/>
+        </p:nvPicPr>
+        <p:blipFill>
+          <a:blip r:embed="rId4">
+            <a:extLst>
+              <a:ext uri="{28A0092B-C50C-407E-A947-70E740481C1C}">
+                <a14:useLocalDpi xmlns:a14="http://schemas.microsoft.com/office/drawing/2010/main" val="0"/>
+              </a:ext>
+            </a:extLst>
+          </a:blip>
+          <a:stretch>
+            <a:fillRect/>
+          </a:stretch>
+        </p:blipFill>
+        <p:spPr>
+          <a:xfrm>
+            <a:off x="519977" y="3838991"/>
+            <a:ext cx="771262" cy="758190"/>
+          </a:xfrm>
+          <a:prstGeom prst="rect">
+            <a:avLst/>
+          </a:prstGeom>
+        </p:spPr>
+      </p:pic>
+      <p:pic>
+        <p:nvPicPr>
+          <p:cNvPr id="19" name="Afbeelding 18" descr="Afbeelding met object&#10;&#10;Beschrijving is gegenereerd met zeer hoge betrouwbaarheid">
+            <a:extLst>
+              <a:ext uri="{FF2B5EF4-FFF2-40B4-BE49-F238E27FC236}">
+                <a16:creationId xmlns:a16="http://schemas.microsoft.com/office/drawing/2014/main" id="{FD54AEA7-2404-4681-9BCF-DB07C56D7C81}"/>
+              </a:ext>
+            </a:extLst>
+          </p:cNvPr>
+          <p:cNvPicPr>
+            <a:picLocks noChangeAspect="1"/>
+          </p:cNvPicPr>
+          <p:nvPr/>
+        </p:nvPicPr>
+        <p:blipFill>
+          <a:blip r:embed="rId5">
+            <a:extLst>
+              <a:ext uri="{28A0092B-C50C-407E-A947-70E740481C1C}">
+                <a14:useLocalDpi xmlns:a14="http://schemas.microsoft.com/office/drawing/2010/main" val="0"/>
+              </a:ext>
+            </a:extLst>
+          </a:blip>
+          <a:stretch>
+            <a:fillRect/>
+          </a:stretch>
+        </p:blipFill>
+        <p:spPr>
+          <a:xfrm>
+            <a:off x="3060456" y="5060962"/>
+            <a:ext cx="891430" cy="891430"/>
+          </a:xfrm>
+          <a:prstGeom prst="rect">
+            <a:avLst/>
+          </a:prstGeom>
+        </p:spPr>
+      </p:pic>
+      <p:pic>
+        <p:nvPicPr>
+          <p:cNvPr id="20" name="Afbeelding 19" descr="Afbeelding met illustratie&#10;&#10;Beschrijving is gegenereerd met zeer hoge betrouwbaarheid">
+            <a:extLst>
+              <a:ext uri="{FF2B5EF4-FFF2-40B4-BE49-F238E27FC236}">
+                <a16:creationId xmlns:a16="http://schemas.microsoft.com/office/drawing/2014/main" id="{EC9D2C96-A552-4871-8411-33B6D24C7632}"/>
+              </a:ext>
+            </a:extLst>
+          </p:cNvPr>
+          <p:cNvPicPr>
+            <a:picLocks noChangeAspect="1"/>
+          </p:cNvPicPr>
+          <p:nvPr/>
+        </p:nvPicPr>
+        <p:blipFill>
+          <a:blip r:embed="rId2">
+            <a:extLst>
+              <a:ext uri="{28A0092B-C50C-407E-A947-70E740481C1C}">
+                <a14:useLocalDpi xmlns:a14="http://schemas.microsoft.com/office/drawing/2010/main" val="0"/>
+              </a:ext>
+            </a:extLst>
+          </a:blip>
+          <a:stretch>
+            <a:fillRect/>
+          </a:stretch>
+        </p:blipFill>
+        <p:spPr>
+          <a:xfrm>
+            <a:off x="1147436" y="5520272"/>
+            <a:ext cx="582623" cy="582623"/>
+          </a:xfrm>
+          <a:prstGeom prst="rect">
+            <a:avLst/>
+          </a:prstGeom>
+        </p:spPr>
+      </p:pic>
     </p:spTree>
     <p:extLst>
       <p:ext uri="{BB962C8B-B14F-4D97-AF65-F5344CB8AC3E}">
-        <p14:creationId xmlns:p14="http://schemas.microsoft.com/office/powerpoint/2010/main" val="2370130867"/>
+        <p14:creationId xmlns:p14="http://schemas.microsoft.com/office/powerpoint/2010/main" val="4005817856"/>
       </p:ext>
     </p:extLst>
   </p:cSld>

--- a/research/AURA.pptx
+++ b/research/AURA.pptx
@@ -10,6 +10,10 @@
     <p:sldId id="258" r:id="rId4"/>
     <p:sldId id="259" r:id="rId5"/>
     <p:sldId id="260" r:id="rId6"/>
+    <p:sldId id="262" r:id="rId7"/>
+    <p:sldId id="263" r:id="rId8"/>
+    <p:sldId id="261" r:id="rId9"/>
+    <p:sldId id="264" r:id="rId10"/>
   </p:sldIdLst>
   <p:sldSz cx="12192000" cy="6858000"/>
   <p:notesSz cx="6858000" cy="9144000"/>
@@ -3725,6 +3729,13 @@
         </p:nvPicPr>
         <p:blipFill>
           <a:blip r:embed="rId2">
+            <a:duotone>
+              <a:prstClr val="black"/>
+              <a:schemeClr val="accent5">
+                <a:tint val="45000"/>
+                <a:satMod val="400000"/>
+              </a:schemeClr>
+            </a:duotone>
             <a:extLst>
               <a:ext uri="{28A0092B-C50C-407E-A947-70E740481C1C}">
                 <a14:useLocalDpi xmlns:a14="http://schemas.microsoft.com/office/drawing/2010/main" val="0"/>
@@ -3833,6 +3844,13 @@
         </p:nvPicPr>
         <p:blipFill>
           <a:blip r:embed="rId4">
+            <a:duotone>
+              <a:prstClr val="black"/>
+              <a:schemeClr val="accent2">
+                <a:tint val="45000"/>
+                <a:satMod val="400000"/>
+              </a:schemeClr>
+            </a:duotone>
             <a:extLst>
               <a:ext uri="{28A0092B-C50C-407E-A947-70E740481C1C}">
                 <a14:useLocalDpi xmlns:a14="http://schemas.microsoft.com/office/drawing/2010/main" val="0"/>
@@ -3845,7 +3863,7 @@
         </p:blipFill>
         <p:spPr>
           <a:xfrm>
-            <a:off x="519977" y="3838991"/>
+            <a:off x="958797" y="3694711"/>
             <a:ext cx="771262" cy="758190"/>
           </a:xfrm>
           <a:prstGeom prst="rect">
@@ -3869,6 +3887,13 @@
         </p:nvPicPr>
         <p:blipFill>
           <a:blip r:embed="rId5">
+            <a:duotone>
+              <a:prstClr val="black"/>
+              <a:schemeClr val="accent1">
+                <a:tint val="45000"/>
+                <a:satMod val="400000"/>
+              </a:schemeClr>
+            </a:duotone>
             <a:extLst>
               <a:ext uri="{28A0092B-C50C-407E-A947-70E740481C1C}">
                 <a14:useLocalDpi xmlns:a14="http://schemas.microsoft.com/office/drawing/2010/main" val="0"/>
@@ -4035,11 +4060,46 @@
           <a:lstStyle/>
           <a:p>
             <a:r>
+              <a:rPr lang="en-GB" dirty="0">
+                <a:latin typeface="Montserrat Medium" panose="00000600000000000000" pitchFamily="2" charset="0"/>
+              </a:rPr>
+              <a:t>N</a:t>
+            </a:r>
+            <a:r>
               <a:rPr lang="nl-BE" dirty="0">
                 <a:latin typeface="Montserrat Medium" panose="00000600000000000000" pitchFamily="2" charset="0"/>
               </a:rPr>
-              <a:t>App: Positieve gevoelens opwekken</a:t>
-            </a:r>
+              <a:t>aam van de app</a:t>
+            </a:r>
+          </a:p>
+          <a:p>
+            <a:r>
+              <a:rPr lang="nl-BE" dirty="0">
+                <a:latin typeface="Montserrat Medium" panose="00000600000000000000" pitchFamily="2" charset="0"/>
+              </a:rPr>
+              <a:t>Paar</a:t>
+            </a:r>
+            <a:r>
+              <a:rPr lang="en-GB" dirty="0">
+                <a:latin typeface="Montserrat Medium" panose="00000600000000000000" pitchFamily="2" charset="0"/>
+              </a:rPr>
+              <a:t> features</a:t>
+            </a:r>
+          </a:p>
+          <a:p>
+            <a:endParaRPr lang="en-GB" dirty="0">
+              <a:latin typeface="Montserrat Medium" panose="00000600000000000000" pitchFamily="2" charset="0"/>
+            </a:endParaRPr>
+          </a:p>
+          <a:p>
+            <a:endParaRPr lang="en-GB" dirty="0">
+              <a:latin typeface="Montserrat Medium" panose="00000600000000000000" pitchFamily="2" charset="0"/>
+            </a:endParaRPr>
+          </a:p>
+          <a:p>
+            <a:endParaRPr lang="nl-BE" dirty="0">
+              <a:latin typeface="Montserrat Medium" panose="00000600000000000000" pitchFamily="2" charset="0"/>
+            </a:endParaRPr>
           </a:p>
           <a:p>
             <a:endParaRPr lang="nl-BE" dirty="0">
@@ -4369,7 +4429,7 @@
         <p:spPr>
           <a:xfrm>
             <a:off x="4862146" y="479462"/>
-            <a:ext cx="8197362" cy="1325563"/>
+            <a:ext cx="7077808" cy="1325563"/>
           </a:xfrm>
         </p:spPr>
         <p:txBody>
@@ -4383,16 +4443,7 @@
                 </a:solidFill>
                 <a:latin typeface="Montserrat Medium" panose="00000600000000000000" pitchFamily="2" charset="0"/>
               </a:rPr>
-              <a:t>Opdracht van </a:t>
-            </a:r>
-            <a:r>
-              <a:rPr lang="en-GB" dirty="0" err="1">
-                <a:solidFill>
-                  <a:srgbClr val="332767"/>
-                </a:solidFill>
-                <a:latin typeface="Montserrat Medium" panose="00000600000000000000" pitchFamily="2" charset="0"/>
-              </a:rPr>
-              <a:t>klant</a:t>
+              <a:t>Na feedback</a:t>
             </a:r>
             <a:endParaRPr lang="nl-BE" dirty="0">
               <a:solidFill>
@@ -4430,11 +4481,56 @@
           <a:lstStyle/>
           <a:p>
             <a:r>
-              <a:rPr lang="nl-BE" dirty="0">
+              <a:rPr lang="en-GB" dirty="0">
                 <a:latin typeface="Montserrat Medium" panose="00000600000000000000" pitchFamily="2" charset="0"/>
               </a:rPr>
-              <a:t>App: Positieve gevoelens opwekken</a:t>
-            </a:r>
+              <a:t>Meer extra features</a:t>
+            </a:r>
+          </a:p>
+          <a:p>
+            <a:pPr lvl="1"/>
+            <a:r>
+              <a:rPr lang="en-GB" dirty="0" err="1">
+                <a:latin typeface="Montserrat Medium" panose="00000600000000000000" pitchFamily="2" charset="0"/>
+              </a:rPr>
+              <a:t>Opdelen</a:t>
+            </a:r>
+            <a:r>
+              <a:rPr lang="en-GB" dirty="0">
+                <a:latin typeface="Montserrat Medium" panose="00000600000000000000" pitchFamily="2" charset="0"/>
+              </a:rPr>
+              <a:t> in 3 </a:t>
+            </a:r>
+            <a:r>
+              <a:rPr lang="en-GB" dirty="0" err="1">
+                <a:latin typeface="Montserrat Medium" panose="00000600000000000000" pitchFamily="2" charset="0"/>
+              </a:rPr>
+              <a:t>hoofd</a:t>
+            </a:r>
+            <a:r>
+              <a:rPr lang="en-GB" dirty="0">
+                <a:latin typeface="Montserrat Medium" panose="00000600000000000000" pitchFamily="2" charset="0"/>
+              </a:rPr>
+              <a:t> features </a:t>
+            </a:r>
+            <a:r>
+              <a:rPr lang="en-GB" dirty="0" err="1">
+                <a:latin typeface="Montserrat Medium" panose="00000600000000000000" pitchFamily="2" charset="0"/>
+              </a:rPr>
+              <a:t>en</a:t>
+            </a:r>
+            <a:r>
+              <a:rPr lang="en-GB" dirty="0">
+                <a:latin typeface="Montserrat Medium" panose="00000600000000000000" pitchFamily="2" charset="0"/>
+              </a:rPr>
+              <a:t> extra’s</a:t>
+            </a:r>
+          </a:p>
+          <a:p>
+            <a:pPr lvl="1"/>
+            <a:endParaRPr lang="en-GB" dirty="0">
+              <a:latin typeface="Montserrat Medium" panose="00000600000000000000" pitchFamily="2" charset="0"/>
+            </a:endParaRPr>
           </a:p>
           <a:p>
             <a:endParaRPr lang="nl-BE" dirty="0">
@@ -4709,6 +4805,41 @@
           <a:xfrm>
             <a:off x="1147436" y="5520272"/>
             <a:ext cx="582623" cy="582623"/>
+          </a:xfrm>
+          <a:prstGeom prst="rect">
+            <a:avLst/>
+          </a:prstGeom>
+        </p:spPr>
+      </p:pic>
+      <p:pic>
+        <p:nvPicPr>
+          <p:cNvPr id="6" name="Afbeelding 5">
+            <a:extLst>
+              <a:ext uri="{FF2B5EF4-FFF2-40B4-BE49-F238E27FC236}">
+                <a16:creationId xmlns:a16="http://schemas.microsoft.com/office/drawing/2014/main" id="{D365D43E-E809-4C30-80B6-6D69EB5DF9FB}"/>
+              </a:ext>
+            </a:extLst>
+          </p:cNvPr>
+          <p:cNvPicPr>
+            <a:picLocks noChangeAspect="1"/>
+          </p:cNvPicPr>
+          <p:nvPr/>
+        </p:nvPicPr>
+        <p:blipFill rotWithShape="1">
+          <a:blip r:embed="rId6">
+            <a:extLst>
+              <a:ext uri="{28A0092B-C50C-407E-A947-70E740481C1C}">
+                <a14:useLocalDpi xmlns:a14="http://schemas.microsoft.com/office/drawing/2010/main" val="0"/>
+              </a:ext>
+            </a:extLst>
+          </a:blip>
+          <a:srcRect t="6091"/>
+          <a:stretch/>
+        </p:blipFill>
+        <p:spPr>
+          <a:xfrm>
+            <a:off x="257175" y="208834"/>
+            <a:ext cx="3829050" cy="6440332"/>
           </a:xfrm>
           <a:prstGeom prst="rect">
             <a:avLst/>
@@ -4747,99 +4878,10 @@
       </p:grpSpPr>
       <p:sp>
         <p:nvSpPr>
-          <p:cNvPr id="2" name="Titel 1">
-            <a:extLst>
-              <a:ext uri="{FF2B5EF4-FFF2-40B4-BE49-F238E27FC236}">
-                <a16:creationId xmlns:a16="http://schemas.microsoft.com/office/drawing/2014/main" id="{DA8A0B07-BE07-415D-A008-F2F09E17D3DD}"/>
-              </a:ext>
-            </a:extLst>
-          </p:cNvPr>
-          <p:cNvSpPr>
-            <a:spLocks noGrp="1"/>
-          </p:cNvSpPr>
-          <p:nvPr>
-            <p:ph type="title"/>
-          </p:nvPr>
-        </p:nvSpPr>
-        <p:spPr>
-          <a:xfrm>
-            <a:off x="4862146" y="479462"/>
-            <a:ext cx="8197362" cy="1325563"/>
-          </a:xfrm>
-        </p:spPr>
-        <p:txBody>
-          <a:bodyPr/>
-          <a:lstStyle/>
-          <a:p>
-            <a:r>
-              <a:rPr lang="en-GB" dirty="0">
-                <a:latin typeface="Montserrat Medium" panose="00000600000000000000" pitchFamily="2" charset="0"/>
-              </a:rPr>
-              <a:t>Opdracht van </a:t>
-            </a:r>
-            <a:r>
-              <a:rPr lang="en-GB" dirty="0" err="1">
-                <a:latin typeface="Montserrat Medium" panose="00000600000000000000" pitchFamily="2" charset="0"/>
-              </a:rPr>
-              <a:t>klant</a:t>
-            </a:r>
-            <a:endParaRPr lang="nl-BE" dirty="0">
-              <a:latin typeface="Montserrat Medium" panose="00000600000000000000" pitchFamily="2" charset="0"/>
-            </a:endParaRPr>
-          </a:p>
-        </p:txBody>
-      </p:sp>
-      <p:sp>
-        <p:nvSpPr>
-          <p:cNvPr id="3" name="Tijdelijke aanduiding voor inhoud 2">
-            <a:extLst>
-              <a:ext uri="{FF2B5EF4-FFF2-40B4-BE49-F238E27FC236}">
-                <a16:creationId xmlns:a16="http://schemas.microsoft.com/office/drawing/2014/main" id="{5A3C4568-9A66-4544-B1CA-FBD7BD433689}"/>
-              </a:ext>
-            </a:extLst>
-          </p:cNvPr>
-          <p:cNvSpPr>
-            <a:spLocks noGrp="1"/>
-          </p:cNvSpPr>
-          <p:nvPr>
-            <p:ph idx="1"/>
-          </p:nvPr>
-        </p:nvSpPr>
-        <p:spPr>
-          <a:xfrm>
-            <a:off x="4862146" y="1743478"/>
-            <a:ext cx="7077808" cy="4351338"/>
-          </a:xfrm>
-        </p:spPr>
-        <p:txBody>
-          <a:bodyPr/>
-          <a:lstStyle/>
-          <a:p>
-            <a:r>
-              <a:rPr lang="nl-BE" dirty="0">
-                <a:latin typeface="Montserrat Medium" panose="00000600000000000000" pitchFamily="2" charset="0"/>
-              </a:rPr>
-              <a:t>App: Positieve gevoelens opwekken</a:t>
-            </a:r>
-          </a:p>
-          <a:p>
-            <a:endParaRPr lang="nl-BE" dirty="0">
-              <a:latin typeface="Montserrat Medium" panose="00000600000000000000" pitchFamily="2" charset="0"/>
-            </a:endParaRPr>
-          </a:p>
-          <a:p>
-            <a:endParaRPr lang="nl-BE" dirty="0">
-              <a:latin typeface="Montserrat Medium" panose="00000600000000000000" pitchFamily="2" charset="0"/>
-            </a:endParaRPr>
-          </a:p>
-        </p:txBody>
-      </p:sp>
-      <p:sp>
-        <p:nvSpPr>
-          <p:cNvPr id="5" name="Rechthoek 4">
-            <a:extLst>
-              <a:ext uri="{FF2B5EF4-FFF2-40B4-BE49-F238E27FC236}">
-                <a16:creationId xmlns:a16="http://schemas.microsoft.com/office/drawing/2014/main" id="{0A649DEA-802F-4D39-A7B3-F4221680DDEE}"/>
+          <p:cNvPr id="21" name="Rechthoek 20">
+            <a:extLst>
+              <a:ext uri="{FF2B5EF4-FFF2-40B4-BE49-F238E27FC236}">
+                <a16:creationId xmlns:a16="http://schemas.microsoft.com/office/drawing/2014/main" id="{C9A6D0C9-B24D-4E13-91B5-16A722513D32}"/>
               </a:ext>
             </a:extLst>
           </p:cNvPr>
@@ -4848,8 +4890,8 @@
         </p:nvSpPr>
         <p:spPr>
           <a:xfrm>
-            <a:off x="-131885" y="-243840"/>
-            <a:ext cx="4607170" cy="7165731"/>
+            <a:off x="4248495" y="2652314"/>
+            <a:ext cx="8083321" cy="4269578"/>
           </a:xfrm>
           <a:prstGeom prst="rect">
             <a:avLst/>
@@ -4885,12 +4927,167 @@
           </a:p>
         </p:txBody>
       </p:sp>
+      <p:sp>
+        <p:nvSpPr>
+          <p:cNvPr id="2" name="Titel 1">
+            <a:extLst>
+              <a:ext uri="{FF2B5EF4-FFF2-40B4-BE49-F238E27FC236}">
+                <a16:creationId xmlns:a16="http://schemas.microsoft.com/office/drawing/2014/main" id="{DA8A0B07-BE07-415D-A008-F2F09E17D3DD}"/>
+              </a:ext>
+            </a:extLst>
+          </p:cNvPr>
+          <p:cNvSpPr>
+            <a:spLocks noGrp="1"/>
+          </p:cNvSpPr>
+          <p:nvPr>
+            <p:ph type="title"/>
+          </p:nvPr>
+        </p:nvSpPr>
+        <p:spPr>
+          <a:xfrm>
+            <a:off x="4862146" y="479462"/>
+            <a:ext cx="7077808" cy="1325563"/>
+          </a:xfrm>
+        </p:spPr>
+        <p:txBody>
+          <a:bodyPr/>
+          <a:lstStyle/>
+          <a:p>
+            <a:r>
+              <a:rPr lang="en-GB" dirty="0">
+                <a:latin typeface="Montserrat Medium" panose="00000600000000000000" pitchFamily="2" charset="0"/>
+              </a:rPr>
+              <a:t>Wireframes</a:t>
+            </a:r>
+            <a:endParaRPr lang="nl-BE" dirty="0">
+              <a:latin typeface="Montserrat Medium" panose="00000600000000000000" pitchFamily="2" charset="0"/>
+            </a:endParaRPr>
+          </a:p>
+        </p:txBody>
+      </p:sp>
+      <p:sp>
+        <p:nvSpPr>
+          <p:cNvPr id="3" name="Tijdelijke aanduiding voor inhoud 2">
+            <a:extLst>
+              <a:ext uri="{FF2B5EF4-FFF2-40B4-BE49-F238E27FC236}">
+                <a16:creationId xmlns:a16="http://schemas.microsoft.com/office/drawing/2014/main" id="{5A3C4568-9A66-4544-B1CA-FBD7BD433689}"/>
+              </a:ext>
+            </a:extLst>
+          </p:cNvPr>
+          <p:cNvSpPr>
+            <a:spLocks noGrp="1"/>
+          </p:cNvSpPr>
+          <p:nvPr>
+            <p:ph idx="1"/>
+          </p:nvPr>
+        </p:nvSpPr>
+        <p:spPr>
+          <a:xfrm>
+            <a:off x="4862146" y="1743478"/>
+            <a:ext cx="7077808" cy="4351338"/>
+          </a:xfrm>
+        </p:spPr>
+        <p:txBody>
+          <a:bodyPr/>
+          <a:lstStyle/>
+          <a:p>
+            <a:r>
+              <a:rPr lang="en-GB" dirty="0">
+                <a:latin typeface="Montserrat Medium" panose="00000600000000000000" pitchFamily="2" charset="0"/>
+              </a:rPr>
+              <a:t>W</a:t>
+            </a:r>
+            <a:r>
+              <a:rPr lang="nl-BE" dirty="0" err="1">
+                <a:latin typeface="Montserrat Medium" panose="00000600000000000000" pitchFamily="2" charset="0"/>
+              </a:rPr>
+              <a:t>ireframes</a:t>
+            </a:r>
+            <a:r>
+              <a:rPr lang="nl-BE" dirty="0">
+                <a:latin typeface="Montserrat Medium" panose="00000600000000000000" pitchFamily="2" charset="0"/>
+              </a:rPr>
+              <a:t> -&gt; </a:t>
+            </a:r>
+            <a:r>
+              <a:rPr lang="nl-BE" dirty="0" err="1">
+                <a:latin typeface="Montserrat Medium" panose="00000600000000000000" pitchFamily="2" charset="0"/>
+              </a:rPr>
+              <a:t>Wireflow</a:t>
+            </a:r>
+            <a:endParaRPr lang="nl-BE" dirty="0">
+              <a:latin typeface="Montserrat Medium" panose="00000600000000000000" pitchFamily="2" charset="0"/>
+            </a:endParaRPr>
+          </a:p>
+          <a:p>
+            <a:endParaRPr lang="nl-BE" dirty="0">
+              <a:latin typeface="Montserrat Medium" panose="00000600000000000000" pitchFamily="2" charset="0"/>
+            </a:endParaRPr>
+          </a:p>
+          <a:p>
+            <a:endParaRPr lang="nl-BE" dirty="0">
+              <a:latin typeface="Montserrat Medium" panose="00000600000000000000" pitchFamily="2" charset="0"/>
+            </a:endParaRPr>
+          </a:p>
+        </p:txBody>
+      </p:sp>
+      <p:sp>
+        <p:nvSpPr>
+          <p:cNvPr id="5" name="Rechthoek 4">
+            <a:extLst>
+              <a:ext uri="{FF2B5EF4-FFF2-40B4-BE49-F238E27FC236}">
+                <a16:creationId xmlns:a16="http://schemas.microsoft.com/office/drawing/2014/main" id="{0A649DEA-802F-4D39-A7B3-F4221680DDEE}"/>
+              </a:ext>
+            </a:extLst>
+          </p:cNvPr>
+          <p:cNvSpPr/>
+          <p:nvPr/>
+        </p:nvSpPr>
+        <p:spPr>
+          <a:xfrm>
+            <a:off x="-131885" y="-243840"/>
+            <a:ext cx="4607170" cy="7165731"/>
+          </a:xfrm>
+          <a:prstGeom prst="rect">
+            <a:avLst/>
+          </a:prstGeom>
+          <a:solidFill>
+            <a:srgbClr val="332767"/>
+          </a:solidFill>
+          <a:ln>
+            <a:noFill/>
+          </a:ln>
+        </p:spPr>
+        <p:style>
+          <a:lnRef idx="2">
+            <a:schemeClr val="accent1">
+              <a:shade val="50000"/>
+            </a:schemeClr>
+          </a:lnRef>
+          <a:fillRef idx="1">
+            <a:schemeClr val="accent1"/>
+          </a:fillRef>
+          <a:effectRef idx="0">
+            <a:schemeClr val="accent1"/>
+          </a:effectRef>
+          <a:fontRef idx="minor">
+            <a:schemeClr val="lt1"/>
+          </a:fontRef>
+        </p:style>
+        <p:txBody>
+          <a:bodyPr rtlCol="0" anchor="ctr"/>
+          <a:lstStyle/>
+          <a:p>
+            <a:endParaRPr lang="nl-BE" dirty="0"/>
+          </a:p>
+        </p:txBody>
+      </p:sp>
       <p:pic>
         <p:nvPicPr>
-          <p:cNvPr id="9" name="Afbeelding 8" descr="Afbeelding met illustratie&#10;&#10;Beschrijving is gegenereerd met zeer hoge betrouwbaarheid">
-            <a:extLst>
-              <a:ext uri="{FF2B5EF4-FFF2-40B4-BE49-F238E27FC236}">
-                <a16:creationId xmlns:a16="http://schemas.microsoft.com/office/drawing/2014/main" id="{1711D5F9-D8F5-4DFC-996B-DD3B3F0055BB}"/>
+          <p:cNvPr id="11" name="Afbeelding 10" descr="Afbeelding met illustratie&#10;&#10;Beschrijving is gegenereerd met hoge betrouwbaarheid">
+            <a:extLst>
+              <a:ext uri="{FF2B5EF4-FFF2-40B4-BE49-F238E27FC236}">
+                <a16:creationId xmlns:a16="http://schemas.microsoft.com/office/drawing/2014/main" id="{A8457909-734A-4217-8609-20669BE1BD54}"/>
               </a:ext>
             </a:extLst>
           </p:cNvPr>
@@ -4913,8 +5110,8 @@
         </p:blipFill>
         <p:spPr>
           <a:xfrm>
-            <a:off x="2958976" y="2687294"/>
-            <a:ext cx="818785" cy="818785"/>
+            <a:off x="838673" y="1805025"/>
+            <a:ext cx="600075" cy="600075"/>
           </a:xfrm>
           <a:prstGeom prst="rect">
             <a:avLst/>
@@ -4923,10 +5120,10 @@
       </p:pic>
       <p:pic>
         <p:nvPicPr>
-          <p:cNvPr id="11" name="Afbeelding 10" descr="Afbeelding met illustratie&#10;&#10;Beschrijving is gegenereerd met hoge betrouwbaarheid">
-            <a:extLst>
-              <a:ext uri="{FF2B5EF4-FFF2-40B4-BE49-F238E27FC236}">
-                <a16:creationId xmlns:a16="http://schemas.microsoft.com/office/drawing/2014/main" id="{A8457909-734A-4217-8609-20669BE1BD54}"/>
+          <p:cNvPr id="13" name="Afbeelding 12" descr="Afbeelding met illustratie&#10;&#10;Beschrijving is gegenereerd met zeer hoge betrouwbaarheid">
+            <a:extLst>
+              <a:ext uri="{FF2B5EF4-FFF2-40B4-BE49-F238E27FC236}">
+                <a16:creationId xmlns:a16="http://schemas.microsoft.com/office/drawing/2014/main" id="{18BF46D7-9EFE-4957-8928-4150AC59399F}"/>
               </a:ext>
             </a:extLst>
           </p:cNvPr>
@@ -4949,8 +5146,8 @@
         </p:blipFill>
         <p:spPr>
           <a:xfrm>
-            <a:off x="838673" y="1805025"/>
-            <a:ext cx="600075" cy="600075"/>
+            <a:off x="1916355" y="710747"/>
+            <a:ext cx="1032731" cy="1032731"/>
           </a:xfrm>
           <a:prstGeom prst="rect">
             <a:avLst/>
@@ -4959,10 +5156,387 @@
       </p:pic>
       <p:pic>
         <p:nvPicPr>
-          <p:cNvPr id="13" name="Afbeelding 12" descr="Afbeelding met illustratie&#10;&#10;Beschrijving is gegenereerd met zeer hoge betrouwbaarheid">
-            <a:extLst>
-              <a:ext uri="{FF2B5EF4-FFF2-40B4-BE49-F238E27FC236}">
-                <a16:creationId xmlns:a16="http://schemas.microsoft.com/office/drawing/2014/main" id="{18BF46D7-9EFE-4957-8928-4150AC59399F}"/>
+          <p:cNvPr id="20" name="Afbeelding 19" descr="Afbeelding met illustratie&#10;&#10;Beschrijving is gegenereerd met zeer hoge betrouwbaarheid">
+            <a:extLst>
+              <a:ext uri="{FF2B5EF4-FFF2-40B4-BE49-F238E27FC236}">
+                <a16:creationId xmlns:a16="http://schemas.microsoft.com/office/drawing/2014/main" id="{EC9D2C96-A552-4871-8411-33B6D24C7632}"/>
+              </a:ext>
+            </a:extLst>
+          </p:cNvPr>
+          <p:cNvPicPr>
+            <a:picLocks noChangeAspect="1"/>
+          </p:cNvPicPr>
+          <p:nvPr/>
+        </p:nvPicPr>
+        <p:blipFill>
+          <a:blip r:embed="rId3">
+            <a:extLst>
+              <a:ext uri="{28A0092B-C50C-407E-A947-70E740481C1C}">
+                <a14:useLocalDpi xmlns:a14="http://schemas.microsoft.com/office/drawing/2010/main" val="0"/>
+              </a:ext>
+            </a:extLst>
+          </a:blip>
+          <a:stretch>
+            <a:fillRect/>
+          </a:stretch>
+        </p:blipFill>
+        <p:spPr>
+          <a:xfrm>
+            <a:off x="1147436" y="5520272"/>
+            <a:ext cx="582623" cy="582623"/>
+          </a:xfrm>
+          <a:prstGeom prst="rect">
+            <a:avLst/>
+          </a:prstGeom>
+        </p:spPr>
+      </p:pic>
+      <p:pic>
+        <p:nvPicPr>
+          <p:cNvPr id="6" name="Afbeelding 5">
+            <a:extLst>
+              <a:ext uri="{FF2B5EF4-FFF2-40B4-BE49-F238E27FC236}">
+                <a16:creationId xmlns:a16="http://schemas.microsoft.com/office/drawing/2014/main" id="{3A56CB55-887F-4181-AA3E-D9EBA2357C0D}"/>
+              </a:ext>
+            </a:extLst>
+          </p:cNvPr>
+          <p:cNvPicPr>
+            <a:picLocks noChangeAspect="1"/>
+          </p:cNvPicPr>
+          <p:nvPr/>
+        </p:nvPicPr>
+        <p:blipFill>
+          <a:blip r:embed="rId4">
+            <a:extLst>
+              <a:ext uri="{28A0092B-C50C-407E-A947-70E740481C1C}">
+                <a14:useLocalDpi xmlns:a14="http://schemas.microsoft.com/office/drawing/2010/main" val="0"/>
+              </a:ext>
+            </a:extLst>
+          </a:blip>
+          <a:stretch>
+            <a:fillRect/>
+          </a:stretch>
+        </p:blipFill>
+        <p:spPr>
+          <a:xfrm>
+            <a:off x="9499680" y="2922803"/>
+            <a:ext cx="1833846" cy="3556748"/>
+          </a:xfrm>
+          <a:prstGeom prst="rect">
+            <a:avLst/>
+          </a:prstGeom>
+        </p:spPr>
+      </p:pic>
+      <p:pic>
+        <p:nvPicPr>
+          <p:cNvPr id="8" name="Afbeelding 7">
+            <a:extLst>
+              <a:ext uri="{FF2B5EF4-FFF2-40B4-BE49-F238E27FC236}">
+                <a16:creationId xmlns:a16="http://schemas.microsoft.com/office/drawing/2014/main" id="{08A2F503-99F2-403C-802A-1801538ADAF2}"/>
+              </a:ext>
+            </a:extLst>
+          </p:cNvPr>
+          <p:cNvPicPr>
+            <a:picLocks noChangeAspect="1"/>
+          </p:cNvPicPr>
+          <p:nvPr/>
+        </p:nvPicPr>
+        <p:blipFill rotWithShape="1">
+          <a:blip r:embed="rId5">
+            <a:extLst>
+              <a:ext uri="{28A0092B-C50C-407E-A947-70E740481C1C}">
+                <a14:useLocalDpi xmlns:a14="http://schemas.microsoft.com/office/drawing/2010/main" val="0"/>
+              </a:ext>
+            </a:extLst>
+          </a:blip>
+          <a:srcRect t="5348"/>
+          <a:stretch/>
+        </p:blipFill>
+        <p:spPr>
+          <a:xfrm>
+            <a:off x="7358453" y="2922805"/>
+            <a:ext cx="1972921" cy="3556748"/>
+          </a:xfrm>
+          <a:prstGeom prst="rect">
+            <a:avLst/>
+          </a:prstGeom>
+        </p:spPr>
+      </p:pic>
+      <p:pic>
+        <p:nvPicPr>
+          <p:cNvPr id="12" name="Afbeelding 11">
+            <a:extLst>
+              <a:ext uri="{FF2B5EF4-FFF2-40B4-BE49-F238E27FC236}">
+                <a16:creationId xmlns:a16="http://schemas.microsoft.com/office/drawing/2014/main" id="{6E5D957E-D656-40C5-9C97-1DFA9ACA61C9}"/>
+              </a:ext>
+            </a:extLst>
+          </p:cNvPr>
+          <p:cNvPicPr>
+            <a:picLocks noChangeAspect="1"/>
+          </p:cNvPicPr>
+          <p:nvPr/>
+        </p:nvPicPr>
+        <p:blipFill rotWithShape="1">
+          <a:blip r:embed="rId6">
+            <a:extLst>
+              <a:ext uri="{28A0092B-C50C-407E-A947-70E740481C1C}">
+                <a14:useLocalDpi xmlns:a14="http://schemas.microsoft.com/office/drawing/2010/main" val="0"/>
+              </a:ext>
+            </a:extLst>
+          </a:blip>
+          <a:srcRect t="2915"/>
+          <a:stretch/>
+        </p:blipFill>
+        <p:spPr>
+          <a:xfrm>
+            <a:off x="5217225" y="2922805"/>
+            <a:ext cx="1972922" cy="3556748"/>
+          </a:xfrm>
+          <a:prstGeom prst="rect">
+            <a:avLst/>
+          </a:prstGeom>
+        </p:spPr>
+      </p:pic>
+      <p:pic>
+        <p:nvPicPr>
+          <p:cNvPr id="15" name="Afbeelding 14">
+            <a:extLst>
+              <a:ext uri="{FF2B5EF4-FFF2-40B4-BE49-F238E27FC236}">
+                <a16:creationId xmlns:a16="http://schemas.microsoft.com/office/drawing/2014/main" id="{14C5A5C7-EE46-4E45-8F77-03474EF59606}"/>
+              </a:ext>
+            </a:extLst>
+          </p:cNvPr>
+          <p:cNvPicPr>
+            <a:picLocks noChangeAspect="1"/>
+          </p:cNvPicPr>
+          <p:nvPr/>
+        </p:nvPicPr>
+        <p:blipFill>
+          <a:blip r:embed="rId7">
+            <a:extLst>
+              <a:ext uri="{28A0092B-C50C-407E-A947-70E740481C1C}">
+                <a14:useLocalDpi xmlns:a14="http://schemas.microsoft.com/office/drawing/2010/main" val="0"/>
+              </a:ext>
+            </a:extLst>
+          </a:blip>
+          <a:stretch>
+            <a:fillRect/>
+          </a:stretch>
+        </p:blipFill>
+        <p:spPr>
+          <a:xfrm>
+            <a:off x="3106465" y="2922805"/>
+            <a:ext cx="1964515" cy="3556746"/>
+          </a:xfrm>
+          <a:prstGeom prst="rect">
+            <a:avLst/>
+          </a:prstGeom>
+        </p:spPr>
+      </p:pic>
+      <p:pic>
+        <p:nvPicPr>
+          <p:cNvPr id="18" name="Afbeelding 17">
+            <a:extLst>
+              <a:ext uri="{FF2B5EF4-FFF2-40B4-BE49-F238E27FC236}">
+                <a16:creationId xmlns:a16="http://schemas.microsoft.com/office/drawing/2014/main" id="{5F478C76-F266-4395-94E6-BED0AB8491B8}"/>
+              </a:ext>
+            </a:extLst>
+          </p:cNvPr>
+          <p:cNvPicPr>
+            <a:picLocks noChangeAspect="1"/>
+          </p:cNvPicPr>
+          <p:nvPr/>
+        </p:nvPicPr>
+        <p:blipFill rotWithShape="1">
+          <a:blip r:embed="rId8">
+            <a:extLst>
+              <a:ext uri="{28A0092B-C50C-407E-A947-70E740481C1C}">
+                <a14:useLocalDpi xmlns:a14="http://schemas.microsoft.com/office/drawing/2010/main" val="0"/>
+              </a:ext>
+            </a:extLst>
+          </a:blip>
+          <a:srcRect t="6930"/>
+          <a:stretch/>
+        </p:blipFill>
+        <p:spPr>
+          <a:xfrm>
+            <a:off x="980680" y="2951603"/>
+            <a:ext cx="1964515" cy="3527948"/>
+          </a:xfrm>
+          <a:prstGeom prst="rect">
+            <a:avLst/>
+          </a:prstGeom>
+        </p:spPr>
+      </p:pic>
+    </p:spTree>
+    <p:extLst>
+      <p:ext uri="{BB962C8B-B14F-4D97-AF65-F5344CB8AC3E}">
+        <p14:creationId xmlns:p14="http://schemas.microsoft.com/office/powerpoint/2010/main" val="4005817856"/>
+      </p:ext>
+    </p:extLst>
+  </p:cSld>
+  <p:clrMapOvr>
+    <a:masterClrMapping/>
+  </p:clrMapOvr>
+</p:sld>
+</file>
+
+<file path=ppt/slides/slide6.xml><?xml version="1.0" encoding="utf-8"?>
+<p:sld xmlns:a="http://schemas.openxmlformats.org/drawingml/2006/main" xmlns:r="http://schemas.openxmlformats.org/officeDocument/2006/relationships" xmlns:p="http://schemas.openxmlformats.org/presentationml/2006/main">
+  <p:cSld>
+    <p:spTree>
+      <p:nvGrpSpPr>
+        <p:cNvPr id="1" name=""/>
+        <p:cNvGrpSpPr/>
+        <p:nvPr/>
+      </p:nvGrpSpPr>
+      <p:grpSpPr>
+        <a:xfrm>
+          <a:off x="0" y="0"/>
+          <a:ext cx="0" cy="0"/>
+          <a:chOff x="0" y="0"/>
+          <a:chExt cx="0" cy="0"/>
+        </a:xfrm>
+      </p:grpSpPr>
+      <p:sp>
+        <p:nvSpPr>
+          <p:cNvPr id="2" name="Titel 1">
+            <a:extLst>
+              <a:ext uri="{FF2B5EF4-FFF2-40B4-BE49-F238E27FC236}">
+                <a16:creationId xmlns:a16="http://schemas.microsoft.com/office/drawing/2014/main" id="{DA8A0B07-BE07-415D-A008-F2F09E17D3DD}"/>
+              </a:ext>
+            </a:extLst>
+          </p:cNvPr>
+          <p:cNvSpPr>
+            <a:spLocks noGrp="1"/>
+          </p:cNvSpPr>
+          <p:nvPr>
+            <p:ph type="title"/>
+          </p:nvPr>
+        </p:nvSpPr>
+        <p:spPr>
+          <a:xfrm>
+            <a:off x="4862146" y="479462"/>
+            <a:ext cx="7077808" cy="1325563"/>
+          </a:xfrm>
+        </p:spPr>
+        <p:txBody>
+          <a:bodyPr/>
+          <a:lstStyle/>
+          <a:p>
+            <a:r>
+              <a:rPr lang="en-GB" dirty="0">
+                <a:latin typeface="Montserrat Medium" panose="00000600000000000000" pitchFamily="2" charset="0"/>
+              </a:rPr>
+              <a:t>Prototype</a:t>
+            </a:r>
+            <a:endParaRPr lang="nl-BE" dirty="0">
+              <a:latin typeface="Montserrat Medium" panose="00000600000000000000" pitchFamily="2" charset="0"/>
+            </a:endParaRPr>
+          </a:p>
+        </p:txBody>
+      </p:sp>
+      <p:sp>
+        <p:nvSpPr>
+          <p:cNvPr id="3" name="Tijdelijke aanduiding voor inhoud 2">
+            <a:extLst>
+              <a:ext uri="{FF2B5EF4-FFF2-40B4-BE49-F238E27FC236}">
+                <a16:creationId xmlns:a16="http://schemas.microsoft.com/office/drawing/2014/main" id="{5A3C4568-9A66-4544-B1CA-FBD7BD433689}"/>
+              </a:ext>
+            </a:extLst>
+          </p:cNvPr>
+          <p:cNvSpPr>
+            <a:spLocks noGrp="1"/>
+          </p:cNvSpPr>
+          <p:nvPr>
+            <p:ph idx="1"/>
+          </p:nvPr>
+        </p:nvSpPr>
+        <p:spPr>
+          <a:xfrm>
+            <a:off x="4862146" y="1743478"/>
+            <a:ext cx="7077808" cy="4351338"/>
+          </a:xfrm>
+        </p:spPr>
+        <p:txBody>
+          <a:bodyPr/>
+          <a:lstStyle/>
+          <a:p>
+            <a:r>
+              <a:rPr lang="nl-BE" dirty="0">
+                <a:latin typeface="Montserrat Medium" panose="00000600000000000000" pitchFamily="2" charset="0"/>
+              </a:rPr>
+              <a:t>Digitaliseren van wireframes</a:t>
+            </a:r>
+          </a:p>
+          <a:p>
+            <a:endParaRPr lang="nl-BE" dirty="0">
+              <a:latin typeface="Montserrat Medium" panose="00000600000000000000" pitchFamily="2" charset="0"/>
+            </a:endParaRPr>
+          </a:p>
+          <a:p>
+            <a:endParaRPr lang="nl-BE" dirty="0">
+              <a:latin typeface="Montserrat Medium" panose="00000600000000000000" pitchFamily="2" charset="0"/>
+            </a:endParaRPr>
+          </a:p>
+        </p:txBody>
+      </p:sp>
+      <p:sp>
+        <p:nvSpPr>
+          <p:cNvPr id="5" name="Rechthoek 4">
+            <a:extLst>
+              <a:ext uri="{FF2B5EF4-FFF2-40B4-BE49-F238E27FC236}">
+                <a16:creationId xmlns:a16="http://schemas.microsoft.com/office/drawing/2014/main" id="{0A649DEA-802F-4D39-A7B3-F4221680DDEE}"/>
+              </a:ext>
+            </a:extLst>
+          </p:cNvPr>
+          <p:cNvSpPr/>
+          <p:nvPr/>
+        </p:nvSpPr>
+        <p:spPr>
+          <a:xfrm>
+            <a:off x="17368" y="-58723"/>
+            <a:ext cx="4607170" cy="7080308"/>
+          </a:xfrm>
+          <a:prstGeom prst="rect">
+            <a:avLst/>
+          </a:prstGeom>
+          <a:solidFill>
+            <a:srgbClr val="332767"/>
+          </a:solidFill>
+          <a:ln>
+            <a:noFill/>
+          </a:ln>
+        </p:spPr>
+        <p:style>
+          <a:lnRef idx="2">
+            <a:schemeClr val="accent1">
+              <a:shade val="50000"/>
+            </a:schemeClr>
+          </a:lnRef>
+          <a:fillRef idx="1">
+            <a:schemeClr val="accent1"/>
+          </a:fillRef>
+          <a:effectRef idx="0">
+            <a:schemeClr val="accent1"/>
+          </a:effectRef>
+          <a:fontRef idx="minor">
+            <a:schemeClr val="lt1"/>
+          </a:fontRef>
+        </p:style>
+        <p:txBody>
+          <a:bodyPr rtlCol="0" anchor="ctr"/>
+          <a:lstStyle/>
+          <a:p>
+            <a:endParaRPr lang="nl-BE" dirty="0"/>
+          </a:p>
+        </p:txBody>
+      </p:sp>
+      <p:pic>
+        <p:nvPicPr>
+          <p:cNvPr id="8" name="Afbeelding 7" descr="Afbeelding met monitor, elektronica, iPod&#10;&#10;Beschrijving is gegenereerd met hoge betrouwbaarheid">
+            <a:extLst>
+              <a:ext uri="{FF2B5EF4-FFF2-40B4-BE49-F238E27FC236}">
+                <a16:creationId xmlns:a16="http://schemas.microsoft.com/office/drawing/2014/main" id="{F0E0BB67-2144-461F-92DB-9EB141A071C8}"/>
               </a:ext>
             </a:extLst>
           </p:cNvPr>
@@ -4985,8 +5559,8 @@
         </p:blipFill>
         <p:spPr>
           <a:xfrm>
-            <a:off x="1916355" y="710747"/>
-            <a:ext cx="1032731" cy="1032731"/>
+            <a:off x="711991" y="278447"/>
+            <a:ext cx="3217924" cy="6301106"/>
           </a:xfrm>
           <a:prstGeom prst="rect">
             <a:avLst/>
@@ -4995,10 +5569,364 @@
       </p:pic>
       <p:pic>
         <p:nvPicPr>
-          <p:cNvPr id="17" name="Afbeelding 16" descr="Afbeelding met object&#10;&#10;Beschrijving is gegenereerd met zeer hoge betrouwbaarheid">
-            <a:extLst>
-              <a:ext uri="{FF2B5EF4-FFF2-40B4-BE49-F238E27FC236}">
-                <a16:creationId xmlns:a16="http://schemas.microsoft.com/office/drawing/2014/main" id="{51A4FBA6-638C-402D-A1E9-A40E5AEA157B}"/>
+          <p:cNvPr id="6" name="Afbeelding 5">
+            <a:extLst>
+              <a:ext uri="{FF2B5EF4-FFF2-40B4-BE49-F238E27FC236}">
+                <a16:creationId xmlns:a16="http://schemas.microsoft.com/office/drawing/2014/main" id="{E882E534-1880-4B4A-BE00-34FB6B85B768}"/>
+              </a:ext>
+            </a:extLst>
+          </p:cNvPr>
+          <p:cNvPicPr>
+            <a:picLocks noChangeAspect="1"/>
+          </p:cNvPicPr>
+          <p:nvPr/>
+        </p:nvPicPr>
+        <p:blipFill rotWithShape="1">
+          <a:blip r:embed="rId3">
+            <a:extLst>
+              <a:ext uri="{28A0092B-C50C-407E-A947-70E740481C1C}">
+                <a14:useLocalDpi xmlns:a14="http://schemas.microsoft.com/office/drawing/2010/main" val="0"/>
+              </a:ext>
+            </a:extLst>
+          </a:blip>
+          <a:srcRect t="6930"/>
+          <a:stretch/>
+        </p:blipFill>
+        <p:spPr>
+          <a:xfrm>
+            <a:off x="947561" y="545284"/>
+            <a:ext cx="2760373" cy="5493353"/>
+          </a:xfrm>
+          <a:prstGeom prst="rect">
+            <a:avLst/>
+          </a:prstGeom>
+        </p:spPr>
+      </p:pic>
+    </p:spTree>
+    <p:extLst>
+      <p:ext uri="{BB962C8B-B14F-4D97-AF65-F5344CB8AC3E}">
+        <p14:creationId xmlns:p14="http://schemas.microsoft.com/office/powerpoint/2010/main" val="3953174242"/>
+      </p:ext>
+    </p:extLst>
+  </p:cSld>
+  <p:clrMapOvr>
+    <a:masterClrMapping/>
+  </p:clrMapOvr>
+  <p:timing>
+    <p:tnLst>
+      <p:par>
+        <p:cTn id="1" dur="indefinite" restart="never" nodeType="tmRoot">
+          <p:childTnLst>
+            <p:seq concurrent="1" nextAc="seek">
+              <p:cTn id="2" dur="indefinite" nodeType="mainSeq">
+                <p:childTnLst>
+                  <p:par>
+                    <p:cTn id="3" fill="hold">
+                      <p:stCondLst>
+                        <p:cond delay="indefinite"/>
+                        <p:cond evt="onBegin" delay="0">
+                          <p:tn val="2"/>
+                        </p:cond>
+                      </p:stCondLst>
+                      <p:childTnLst>
+                        <p:par>
+                          <p:cTn id="4" fill="hold">
+                            <p:stCondLst>
+                              <p:cond delay="0"/>
+                            </p:stCondLst>
+                            <p:childTnLst>
+                              <p:par>
+                                <p:cTn id="5" presetID="22" presetClass="exit" presetSubtype="4" fill="hold" nodeType="afterEffect">
+                                  <p:stCondLst>
+                                    <p:cond delay="250"/>
+                                  </p:stCondLst>
+                                  <p:childTnLst>
+                                    <p:animEffect transition="out" filter="wipe(down)">
+                                      <p:cBhvr>
+                                        <p:cTn id="6" dur="500"/>
+                                        <p:tgtEl>
+                                          <p:spTgt spid="6"/>
+                                        </p:tgtEl>
+                                      </p:cBhvr>
+                                    </p:animEffect>
+                                    <p:set>
+                                      <p:cBhvr>
+                                        <p:cTn id="7" dur="1" fill="hold">
+                                          <p:stCondLst>
+                                            <p:cond delay="499"/>
+                                          </p:stCondLst>
+                                        </p:cTn>
+                                        <p:tgtEl>
+                                          <p:spTgt spid="6"/>
+                                        </p:tgtEl>
+                                        <p:attrNameLst>
+                                          <p:attrName>style.visibility</p:attrName>
+                                        </p:attrNameLst>
+                                      </p:cBhvr>
+                                      <p:to>
+                                        <p:strVal val="hidden"/>
+                                      </p:to>
+                                    </p:set>
+                                  </p:childTnLst>
+                                </p:cTn>
+                              </p:par>
+                            </p:childTnLst>
+                          </p:cTn>
+                        </p:par>
+                      </p:childTnLst>
+                    </p:cTn>
+                  </p:par>
+                </p:childTnLst>
+              </p:cTn>
+              <p:prevCondLst>
+                <p:cond evt="onPrev" delay="0">
+                  <p:tgtEl>
+                    <p:sldTgt/>
+                  </p:tgtEl>
+                </p:cond>
+              </p:prevCondLst>
+              <p:nextCondLst>
+                <p:cond evt="onNext" delay="0">
+                  <p:tgtEl>
+                    <p:sldTgt/>
+                  </p:tgtEl>
+                </p:cond>
+              </p:nextCondLst>
+            </p:seq>
+          </p:childTnLst>
+        </p:cTn>
+      </p:par>
+    </p:tnLst>
+  </p:timing>
+</p:sld>
+</file>
+
+<file path=ppt/slides/slide7.xml><?xml version="1.0" encoding="utf-8"?>
+<p:sld xmlns:a="http://schemas.openxmlformats.org/drawingml/2006/main" xmlns:r="http://schemas.openxmlformats.org/officeDocument/2006/relationships" xmlns:p="http://schemas.openxmlformats.org/presentationml/2006/main">
+  <p:cSld>
+    <p:spTree>
+      <p:nvGrpSpPr>
+        <p:cNvPr id="1" name=""/>
+        <p:cNvGrpSpPr/>
+        <p:nvPr/>
+      </p:nvGrpSpPr>
+      <p:grpSpPr>
+        <a:xfrm>
+          <a:off x="0" y="0"/>
+          <a:ext cx="0" cy="0"/>
+          <a:chOff x="0" y="0"/>
+          <a:chExt cx="0" cy="0"/>
+        </a:xfrm>
+      </p:grpSpPr>
+      <p:sp>
+        <p:nvSpPr>
+          <p:cNvPr id="5" name="Rechthoek 4">
+            <a:extLst>
+              <a:ext uri="{FF2B5EF4-FFF2-40B4-BE49-F238E27FC236}">
+                <a16:creationId xmlns:a16="http://schemas.microsoft.com/office/drawing/2014/main" id="{0A649DEA-802F-4D39-A7B3-F4221680DDEE}"/>
+              </a:ext>
+            </a:extLst>
+          </p:cNvPr>
+          <p:cNvSpPr/>
+          <p:nvPr/>
+        </p:nvSpPr>
+        <p:spPr>
+          <a:xfrm>
+            <a:off x="-131885" y="-243840"/>
+            <a:ext cx="12539202" cy="2911539"/>
+          </a:xfrm>
+          <a:prstGeom prst="rect">
+            <a:avLst/>
+          </a:prstGeom>
+          <a:solidFill>
+            <a:srgbClr val="332767"/>
+          </a:solidFill>
+          <a:ln>
+            <a:noFill/>
+          </a:ln>
+        </p:spPr>
+        <p:style>
+          <a:lnRef idx="2">
+            <a:schemeClr val="accent1">
+              <a:shade val="50000"/>
+            </a:schemeClr>
+          </a:lnRef>
+          <a:fillRef idx="1">
+            <a:schemeClr val="accent1"/>
+          </a:fillRef>
+          <a:effectRef idx="0">
+            <a:schemeClr val="accent1"/>
+          </a:effectRef>
+          <a:fontRef idx="minor">
+            <a:schemeClr val="lt1"/>
+          </a:fontRef>
+        </p:style>
+        <p:txBody>
+          <a:bodyPr rtlCol="0" anchor="ctr"/>
+          <a:lstStyle/>
+          <a:p>
+            <a:endParaRPr lang="nl-BE" dirty="0"/>
+          </a:p>
+        </p:txBody>
+      </p:sp>
+      <p:sp>
+        <p:nvSpPr>
+          <p:cNvPr id="2" name="Titel 1">
+            <a:extLst>
+              <a:ext uri="{FF2B5EF4-FFF2-40B4-BE49-F238E27FC236}">
+                <a16:creationId xmlns:a16="http://schemas.microsoft.com/office/drawing/2014/main" id="{DA8A0B07-BE07-415D-A008-F2F09E17D3DD}"/>
+              </a:ext>
+            </a:extLst>
+          </p:cNvPr>
+          <p:cNvSpPr>
+            <a:spLocks noGrp="1"/>
+          </p:cNvSpPr>
+          <p:nvPr>
+            <p:ph type="title"/>
+          </p:nvPr>
+        </p:nvSpPr>
+        <p:spPr>
+          <a:xfrm>
+            <a:off x="3819549" y="681643"/>
+            <a:ext cx="7077808" cy="1325563"/>
+          </a:xfrm>
+        </p:spPr>
+        <p:txBody>
+          <a:bodyPr/>
+          <a:lstStyle/>
+          <a:p>
+            <a:r>
+              <a:rPr lang="en-GB" dirty="0">
+                <a:solidFill>
+                  <a:schemeClr val="bg1"/>
+                </a:solidFill>
+                <a:latin typeface="Montserrat Medium" panose="00000600000000000000" pitchFamily="2" charset="0"/>
+              </a:rPr>
+              <a:t>Prototype</a:t>
+            </a:r>
+            <a:endParaRPr lang="nl-BE" dirty="0">
+              <a:solidFill>
+                <a:schemeClr val="bg1"/>
+              </a:solidFill>
+              <a:latin typeface="Montserrat Medium" panose="00000600000000000000" pitchFamily="2" charset="0"/>
+            </a:endParaRPr>
+          </a:p>
+        </p:txBody>
+      </p:sp>
+      <p:pic>
+        <p:nvPicPr>
+          <p:cNvPr id="11" name="Afbeelding 10" descr="Afbeelding met illustratie&#10;&#10;Beschrijving is gegenereerd met hoge betrouwbaarheid">
+            <a:extLst>
+              <a:ext uri="{FF2B5EF4-FFF2-40B4-BE49-F238E27FC236}">
+                <a16:creationId xmlns:a16="http://schemas.microsoft.com/office/drawing/2014/main" id="{A8457909-734A-4217-8609-20669BE1BD54}"/>
+              </a:ext>
+            </a:extLst>
+          </p:cNvPr>
+          <p:cNvPicPr>
+            <a:picLocks noChangeAspect="1"/>
+          </p:cNvPicPr>
+          <p:nvPr/>
+        </p:nvPicPr>
+        <p:blipFill>
+          <a:blip r:embed="rId2">
+            <a:extLst>
+              <a:ext uri="{28A0092B-C50C-407E-A947-70E740481C1C}">
+                <a14:useLocalDpi xmlns:a14="http://schemas.microsoft.com/office/drawing/2010/main" val="0"/>
+              </a:ext>
+            </a:extLst>
+          </a:blip>
+          <a:stretch>
+            <a:fillRect/>
+          </a:stretch>
+        </p:blipFill>
+        <p:spPr>
+          <a:xfrm>
+            <a:off x="838673" y="1805025"/>
+            <a:ext cx="600075" cy="600075"/>
+          </a:xfrm>
+          <a:prstGeom prst="rect">
+            <a:avLst/>
+          </a:prstGeom>
+        </p:spPr>
+      </p:pic>
+      <p:pic>
+        <p:nvPicPr>
+          <p:cNvPr id="13" name="Afbeelding 12" descr="Afbeelding met illustratie&#10;&#10;Beschrijving is gegenereerd met zeer hoge betrouwbaarheid">
+            <a:extLst>
+              <a:ext uri="{FF2B5EF4-FFF2-40B4-BE49-F238E27FC236}">
+                <a16:creationId xmlns:a16="http://schemas.microsoft.com/office/drawing/2014/main" id="{18BF46D7-9EFE-4957-8928-4150AC59399F}"/>
+              </a:ext>
+            </a:extLst>
+          </p:cNvPr>
+          <p:cNvPicPr>
+            <a:picLocks noChangeAspect="1"/>
+          </p:cNvPicPr>
+          <p:nvPr/>
+        </p:nvPicPr>
+        <p:blipFill>
+          <a:blip r:embed="rId3">
+            <a:extLst>
+              <a:ext uri="{28A0092B-C50C-407E-A947-70E740481C1C}">
+                <a14:useLocalDpi xmlns:a14="http://schemas.microsoft.com/office/drawing/2010/main" val="0"/>
+              </a:ext>
+            </a:extLst>
+          </a:blip>
+          <a:stretch>
+            <a:fillRect/>
+          </a:stretch>
+        </p:blipFill>
+        <p:spPr>
+          <a:xfrm>
+            <a:off x="1916355" y="710747"/>
+            <a:ext cx="1032731" cy="1032731"/>
+          </a:xfrm>
+          <a:prstGeom prst="rect">
+            <a:avLst/>
+          </a:prstGeom>
+        </p:spPr>
+      </p:pic>
+      <p:pic>
+        <p:nvPicPr>
+          <p:cNvPr id="20" name="Afbeelding 19" descr="Afbeelding met illustratie&#10;&#10;Beschrijving is gegenereerd met zeer hoge betrouwbaarheid">
+            <a:extLst>
+              <a:ext uri="{FF2B5EF4-FFF2-40B4-BE49-F238E27FC236}">
+                <a16:creationId xmlns:a16="http://schemas.microsoft.com/office/drawing/2014/main" id="{EC9D2C96-A552-4871-8411-33B6D24C7632}"/>
+              </a:ext>
+            </a:extLst>
+          </p:cNvPr>
+          <p:cNvPicPr>
+            <a:picLocks noChangeAspect="1"/>
+          </p:cNvPicPr>
+          <p:nvPr/>
+        </p:nvPicPr>
+        <p:blipFill>
+          <a:blip r:embed="rId3">
+            <a:extLst>
+              <a:ext uri="{28A0092B-C50C-407E-A947-70E740481C1C}">
+                <a14:useLocalDpi xmlns:a14="http://schemas.microsoft.com/office/drawing/2010/main" val="0"/>
+              </a:ext>
+            </a:extLst>
+          </a:blip>
+          <a:stretch>
+            <a:fillRect/>
+          </a:stretch>
+        </p:blipFill>
+        <p:spPr>
+          <a:xfrm>
+            <a:off x="1147436" y="5520272"/>
+            <a:ext cx="582623" cy="582623"/>
+          </a:xfrm>
+          <a:prstGeom prst="rect">
+            <a:avLst/>
+          </a:prstGeom>
+        </p:spPr>
+      </p:pic>
+      <p:pic>
+        <p:nvPicPr>
+          <p:cNvPr id="6" name="Afbeelding 5">
+            <a:extLst>
+              <a:ext uri="{FF2B5EF4-FFF2-40B4-BE49-F238E27FC236}">
+                <a16:creationId xmlns:a16="http://schemas.microsoft.com/office/drawing/2014/main" id="{3A56CB55-887F-4181-AA3E-D9EBA2357C0D}"/>
               </a:ext>
             </a:extLst>
           </p:cNvPr>
@@ -5021,8 +5949,8 @@
         </p:blipFill>
         <p:spPr>
           <a:xfrm>
-            <a:off x="519977" y="3838991"/>
-            <a:ext cx="771262" cy="758190"/>
+            <a:off x="9499680" y="2922803"/>
+            <a:ext cx="1833846" cy="3556748"/>
           </a:xfrm>
           <a:prstGeom prst="rect">
             <a:avLst/>
@@ -5031,10 +5959,865 @@
       </p:pic>
       <p:pic>
         <p:nvPicPr>
-          <p:cNvPr id="19" name="Afbeelding 18" descr="Afbeelding met object&#10;&#10;Beschrijving is gegenereerd met zeer hoge betrouwbaarheid">
-            <a:extLst>
-              <a:ext uri="{FF2B5EF4-FFF2-40B4-BE49-F238E27FC236}">
-                <a16:creationId xmlns:a16="http://schemas.microsoft.com/office/drawing/2014/main" id="{FD54AEA7-2404-4681-9BCF-DB07C56D7C81}"/>
+          <p:cNvPr id="8" name="Afbeelding 7">
+            <a:extLst>
+              <a:ext uri="{FF2B5EF4-FFF2-40B4-BE49-F238E27FC236}">
+                <a16:creationId xmlns:a16="http://schemas.microsoft.com/office/drawing/2014/main" id="{08A2F503-99F2-403C-802A-1801538ADAF2}"/>
+              </a:ext>
+            </a:extLst>
+          </p:cNvPr>
+          <p:cNvPicPr>
+            <a:picLocks noChangeAspect="1"/>
+          </p:cNvPicPr>
+          <p:nvPr/>
+        </p:nvPicPr>
+        <p:blipFill rotWithShape="1">
+          <a:blip r:embed="rId5">
+            <a:extLst>
+              <a:ext uri="{28A0092B-C50C-407E-A947-70E740481C1C}">
+                <a14:useLocalDpi xmlns:a14="http://schemas.microsoft.com/office/drawing/2010/main" val="0"/>
+              </a:ext>
+            </a:extLst>
+          </a:blip>
+          <a:srcRect t="5348"/>
+          <a:stretch/>
+        </p:blipFill>
+        <p:spPr>
+          <a:xfrm>
+            <a:off x="7358453" y="2922805"/>
+            <a:ext cx="1972921" cy="3556748"/>
+          </a:xfrm>
+          <a:prstGeom prst="rect">
+            <a:avLst/>
+          </a:prstGeom>
+        </p:spPr>
+      </p:pic>
+      <p:pic>
+        <p:nvPicPr>
+          <p:cNvPr id="12" name="Afbeelding 11">
+            <a:extLst>
+              <a:ext uri="{FF2B5EF4-FFF2-40B4-BE49-F238E27FC236}">
+                <a16:creationId xmlns:a16="http://schemas.microsoft.com/office/drawing/2014/main" id="{6E5D957E-D656-40C5-9C97-1DFA9ACA61C9}"/>
+              </a:ext>
+            </a:extLst>
+          </p:cNvPr>
+          <p:cNvPicPr>
+            <a:picLocks noChangeAspect="1"/>
+          </p:cNvPicPr>
+          <p:nvPr/>
+        </p:nvPicPr>
+        <p:blipFill rotWithShape="1">
+          <a:blip r:embed="rId6">
+            <a:extLst>
+              <a:ext uri="{28A0092B-C50C-407E-A947-70E740481C1C}">
+                <a14:useLocalDpi xmlns:a14="http://schemas.microsoft.com/office/drawing/2010/main" val="0"/>
+              </a:ext>
+            </a:extLst>
+          </a:blip>
+          <a:srcRect t="2915"/>
+          <a:stretch/>
+        </p:blipFill>
+        <p:spPr>
+          <a:xfrm>
+            <a:off x="5217225" y="2922805"/>
+            <a:ext cx="1972922" cy="3556748"/>
+          </a:xfrm>
+          <a:prstGeom prst="rect">
+            <a:avLst/>
+          </a:prstGeom>
+        </p:spPr>
+      </p:pic>
+      <p:pic>
+        <p:nvPicPr>
+          <p:cNvPr id="15" name="Afbeelding 14">
+            <a:extLst>
+              <a:ext uri="{FF2B5EF4-FFF2-40B4-BE49-F238E27FC236}">
+                <a16:creationId xmlns:a16="http://schemas.microsoft.com/office/drawing/2014/main" id="{14C5A5C7-EE46-4E45-8F77-03474EF59606}"/>
+              </a:ext>
+            </a:extLst>
+          </p:cNvPr>
+          <p:cNvPicPr>
+            <a:picLocks noChangeAspect="1"/>
+          </p:cNvPicPr>
+          <p:nvPr/>
+        </p:nvPicPr>
+        <p:blipFill>
+          <a:blip r:embed="rId7">
+            <a:extLst>
+              <a:ext uri="{28A0092B-C50C-407E-A947-70E740481C1C}">
+                <a14:useLocalDpi xmlns:a14="http://schemas.microsoft.com/office/drawing/2010/main" val="0"/>
+              </a:ext>
+            </a:extLst>
+          </a:blip>
+          <a:stretch>
+            <a:fillRect/>
+          </a:stretch>
+        </p:blipFill>
+        <p:spPr>
+          <a:xfrm>
+            <a:off x="3106465" y="2922805"/>
+            <a:ext cx="1964515" cy="3556746"/>
+          </a:xfrm>
+          <a:prstGeom prst="rect">
+            <a:avLst/>
+          </a:prstGeom>
+        </p:spPr>
+      </p:pic>
+      <p:pic>
+        <p:nvPicPr>
+          <p:cNvPr id="18" name="Afbeelding 17">
+            <a:extLst>
+              <a:ext uri="{FF2B5EF4-FFF2-40B4-BE49-F238E27FC236}">
+                <a16:creationId xmlns:a16="http://schemas.microsoft.com/office/drawing/2014/main" id="{5F478C76-F266-4395-94E6-BED0AB8491B8}"/>
+              </a:ext>
+            </a:extLst>
+          </p:cNvPr>
+          <p:cNvPicPr>
+            <a:picLocks noChangeAspect="1"/>
+          </p:cNvPicPr>
+          <p:nvPr/>
+        </p:nvPicPr>
+        <p:blipFill rotWithShape="1">
+          <a:blip r:embed="rId8">
+            <a:extLst>
+              <a:ext uri="{28A0092B-C50C-407E-A947-70E740481C1C}">
+                <a14:useLocalDpi xmlns:a14="http://schemas.microsoft.com/office/drawing/2010/main" val="0"/>
+              </a:ext>
+            </a:extLst>
+          </a:blip>
+          <a:srcRect t="6930"/>
+          <a:stretch/>
+        </p:blipFill>
+        <p:spPr>
+          <a:xfrm>
+            <a:off x="980680" y="2951603"/>
+            <a:ext cx="1964515" cy="3527948"/>
+          </a:xfrm>
+          <a:prstGeom prst="rect">
+            <a:avLst/>
+          </a:prstGeom>
+        </p:spPr>
+      </p:pic>
+      <p:pic>
+        <p:nvPicPr>
+          <p:cNvPr id="25" name="Afbeelding 24" descr="Afbeelding met elektronica&#10;&#10;Beschrijving is gegenereerd met hoge betrouwbaarheid">
+            <a:extLst>
+              <a:ext uri="{FF2B5EF4-FFF2-40B4-BE49-F238E27FC236}">
+                <a16:creationId xmlns:a16="http://schemas.microsoft.com/office/drawing/2014/main" id="{D58F11B5-C481-4AE8-BBCC-2EB7590FE0F5}"/>
+              </a:ext>
+            </a:extLst>
+          </p:cNvPr>
+          <p:cNvPicPr>
+            <a:picLocks noChangeAspect="1"/>
+          </p:cNvPicPr>
+          <p:nvPr/>
+        </p:nvPicPr>
+        <p:blipFill>
+          <a:blip r:embed="rId9">
+            <a:extLst>
+              <a:ext uri="{28A0092B-C50C-407E-A947-70E740481C1C}">
+                <a14:useLocalDpi xmlns:a14="http://schemas.microsoft.com/office/drawing/2010/main" val="0"/>
+              </a:ext>
+            </a:extLst>
+          </a:blip>
+          <a:stretch>
+            <a:fillRect/>
+          </a:stretch>
+        </p:blipFill>
+        <p:spPr>
+          <a:xfrm>
+            <a:off x="9485225" y="2918228"/>
+            <a:ext cx="1999670" cy="3556747"/>
+          </a:xfrm>
+          <a:prstGeom prst="rect">
+            <a:avLst/>
+          </a:prstGeom>
+        </p:spPr>
+      </p:pic>
+      <p:pic>
+        <p:nvPicPr>
+          <p:cNvPr id="27" name="Afbeelding 26" descr="Afbeelding met elektronica&#10;&#10;Beschrijving is gegenereerd met hoge betrouwbaarheid">
+            <a:extLst>
+              <a:ext uri="{FF2B5EF4-FFF2-40B4-BE49-F238E27FC236}">
+                <a16:creationId xmlns:a16="http://schemas.microsoft.com/office/drawing/2014/main" id="{2D1D4C87-2047-4218-8941-3C0312C58301}"/>
+              </a:ext>
+            </a:extLst>
+          </p:cNvPr>
+          <p:cNvPicPr>
+            <a:picLocks noChangeAspect="1"/>
+          </p:cNvPicPr>
+          <p:nvPr/>
+        </p:nvPicPr>
+        <p:blipFill>
+          <a:blip r:embed="rId10">
+            <a:extLst>
+              <a:ext uri="{28A0092B-C50C-407E-A947-70E740481C1C}">
+                <a14:useLocalDpi xmlns:a14="http://schemas.microsoft.com/office/drawing/2010/main" val="0"/>
+              </a:ext>
+            </a:extLst>
+          </a:blip>
+          <a:stretch>
+            <a:fillRect/>
+          </a:stretch>
+        </p:blipFill>
+        <p:spPr>
+          <a:xfrm>
+            <a:off x="971039" y="2922804"/>
+            <a:ext cx="1997098" cy="3552172"/>
+          </a:xfrm>
+          <a:prstGeom prst="rect">
+            <a:avLst/>
+          </a:prstGeom>
+        </p:spPr>
+      </p:pic>
+      <p:pic>
+        <p:nvPicPr>
+          <p:cNvPr id="29" name="Afbeelding 28">
+            <a:extLst>
+              <a:ext uri="{FF2B5EF4-FFF2-40B4-BE49-F238E27FC236}">
+                <a16:creationId xmlns:a16="http://schemas.microsoft.com/office/drawing/2014/main" id="{0448354D-9A1B-4900-9155-C0A0CA39C9F8}"/>
+              </a:ext>
+            </a:extLst>
+          </p:cNvPr>
+          <p:cNvPicPr>
+            <a:picLocks noChangeAspect="1"/>
+          </p:cNvPicPr>
+          <p:nvPr/>
+        </p:nvPicPr>
+        <p:blipFill>
+          <a:blip r:embed="rId11">
+            <a:extLst>
+              <a:ext uri="{28A0092B-C50C-407E-A947-70E740481C1C}">
+                <a14:useLocalDpi xmlns:a14="http://schemas.microsoft.com/office/drawing/2010/main" val="0"/>
+              </a:ext>
+            </a:extLst>
+          </a:blip>
+          <a:stretch>
+            <a:fillRect/>
+          </a:stretch>
+        </p:blipFill>
+        <p:spPr>
+          <a:xfrm>
+            <a:off x="7358453" y="2918228"/>
+            <a:ext cx="1999670" cy="3556747"/>
+          </a:xfrm>
+          <a:prstGeom prst="rect">
+            <a:avLst/>
+          </a:prstGeom>
+        </p:spPr>
+      </p:pic>
+      <p:pic>
+        <p:nvPicPr>
+          <p:cNvPr id="31" name="Afbeelding 30" descr="Afbeelding met elektronica&#10;&#10;Beschrijving is gegenereerd met hoge betrouwbaarheid">
+            <a:extLst>
+              <a:ext uri="{FF2B5EF4-FFF2-40B4-BE49-F238E27FC236}">
+                <a16:creationId xmlns:a16="http://schemas.microsoft.com/office/drawing/2014/main" id="{840AEC47-270E-4475-AB82-FD2A16A3B40E}"/>
+              </a:ext>
+            </a:extLst>
+          </p:cNvPr>
+          <p:cNvPicPr>
+            <a:picLocks noChangeAspect="1"/>
+          </p:cNvPicPr>
+          <p:nvPr/>
+        </p:nvPicPr>
+        <p:blipFill>
+          <a:blip r:embed="rId12">
+            <a:extLst>
+              <a:ext uri="{28A0092B-C50C-407E-A947-70E740481C1C}">
+                <a14:useLocalDpi xmlns:a14="http://schemas.microsoft.com/office/drawing/2010/main" val="0"/>
+              </a:ext>
+            </a:extLst>
+          </a:blip>
+          <a:stretch>
+            <a:fillRect/>
+          </a:stretch>
+        </p:blipFill>
+        <p:spPr>
+          <a:xfrm>
+            <a:off x="3105174" y="2918228"/>
+            <a:ext cx="1999670" cy="3556747"/>
+          </a:xfrm>
+          <a:prstGeom prst="rect">
+            <a:avLst/>
+          </a:prstGeom>
+        </p:spPr>
+      </p:pic>
+      <p:pic>
+        <p:nvPicPr>
+          <p:cNvPr id="33" name="Afbeelding 32">
+            <a:extLst>
+              <a:ext uri="{FF2B5EF4-FFF2-40B4-BE49-F238E27FC236}">
+                <a16:creationId xmlns:a16="http://schemas.microsoft.com/office/drawing/2014/main" id="{7A0B7B7D-9D46-4E00-86FD-6891B0DCC90C}"/>
+              </a:ext>
+            </a:extLst>
+          </p:cNvPr>
+          <p:cNvPicPr>
+            <a:picLocks noChangeAspect="1"/>
+          </p:cNvPicPr>
+          <p:nvPr/>
+        </p:nvPicPr>
+        <p:blipFill>
+          <a:blip r:embed="rId13">
+            <a:extLst>
+              <a:ext uri="{28A0092B-C50C-407E-A947-70E740481C1C}">
+                <a14:useLocalDpi xmlns:a14="http://schemas.microsoft.com/office/drawing/2010/main" val="0"/>
+              </a:ext>
+            </a:extLst>
+          </a:blip>
+          <a:stretch>
+            <a:fillRect/>
+          </a:stretch>
+        </p:blipFill>
+        <p:spPr>
+          <a:xfrm>
+            <a:off x="5205963" y="2926308"/>
+            <a:ext cx="1995128" cy="3548668"/>
+          </a:xfrm>
+          <a:prstGeom prst="rect">
+            <a:avLst/>
+          </a:prstGeom>
+        </p:spPr>
+      </p:pic>
+    </p:spTree>
+    <p:extLst>
+      <p:ext uri="{BB962C8B-B14F-4D97-AF65-F5344CB8AC3E}">
+        <p14:creationId xmlns:p14="http://schemas.microsoft.com/office/powerpoint/2010/main" val="4240368987"/>
+      </p:ext>
+    </p:extLst>
+  </p:cSld>
+  <p:clrMapOvr>
+    <a:masterClrMapping/>
+  </p:clrMapOvr>
+  <p:timing>
+    <p:tnLst>
+      <p:par>
+        <p:cTn id="1" dur="indefinite" restart="never" nodeType="tmRoot">
+          <p:childTnLst>
+            <p:seq concurrent="1" nextAc="seek">
+              <p:cTn id="2" dur="indefinite" nodeType="mainSeq">
+                <p:childTnLst>
+                  <p:par>
+                    <p:cTn id="3" fill="hold">
+                      <p:stCondLst>
+                        <p:cond delay="indefinite"/>
+                        <p:cond evt="onBegin" delay="0">
+                          <p:tn val="2"/>
+                        </p:cond>
+                      </p:stCondLst>
+                      <p:childTnLst>
+                        <p:par>
+                          <p:cTn id="4" fill="hold">
+                            <p:stCondLst>
+                              <p:cond delay="0"/>
+                            </p:stCondLst>
+                            <p:childTnLst>
+                              <p:par>
+                                <p:cTn id="5" presetID="22" presetClass="entr" presetSubtype="4" fill="hold" nodeType="afterEffect">
+                                  <p:stCondLst>
+                                    <p:cond delay="0"/>
+                                  </p:stCondLst>
+                                  <p:childTnLst>
+                                    <p:set>
+                                      <p:cBhvr>
+                                        <p:cTn id="6" dur="1" fill="hold">
+                                          <p:stCondLst>
+                                            <p:cond delay="0"/>
+                                          </p:stCondLst>
+                                        </p:cTn>
+                                        <p:tgtEl>
+                                          <p:spTgt spid="27"/>
+                                        </p:tgtEl>
+                                        <p:attrNameLst>
+                                          <p:attrName>style.visibility</p:attrName>
+                                        </p:attrNameLst>
+                                      </p:cBhvr>
+                                      <p:to>
+                                        <p:strVal val="visible"/>
+                                      </p:to>
+                                    </p:set>
+                                    <p:animEffect transition="in" filter="wipe(down)">
+                                      <p:cBhvr>
+                                        <p:cTn id="7" dur="250"/>
+                                        <p:tgtEl>
+                                          <p:spTgt spid="27"/>
+                                        </p:tgtEl>
+                                      </p:cBhvr>
+                                    </p:animEffect>
+                                  </p:childTnLst>
+                                </p:cTn>
+                              </p:par>
+                            </p:childTnLst>
+                          </p:cTn>
+                        </p:par>
+                        <p:par>
+                          <p:cTn id="8" fill="hold">
+                            <p:stCondLst>
+                              <p:cond delay="250"/>
+                            </p:stCondLst>
+                            <p:childTnLst>
+                              <p:par>
+                                <p:cTn id="9" presetID="22" presetClass="entr" presetSubtype="4" fill="hold" nodeType="afterEffect">
+                                  <p:stCondLst>
+                                    <p:cond delay="0"/>
+                                  </p:stCondLst>
+                                  <p:childTnLst>
+                                    <p:set>
+                                      <p:cBhvr>
+                                        <p:cTn id="10" dur="1" fill="hold">
+                                          <p:stCondLst>
+                                            <p:cond delay="0"/>
+                                          </p:stCondLst>
+                                        </p:cTn>
+                                        <p:tgtEl>
+                                          <p:spTgt spid="31"/>
+                                        </p:tgtEl>
+                                        <p:attrNameLst>
+                                          <p:attrName>style.visibility</p:attrName>
+                                        </p:attrNameLst>
+                                      </p:cBhvr>
+                                      <p:to>
+                                        <p:strVal val="visible"/>
+                                      </p:to>
+                                    </p:set>
+                                    <p:animEffect transition="in" filter="wipe(down)">
+                                      <p:cBhvr>
+                                        <p:cTn id="11" dur="250"/>
+                                        <p:tgtEl>
+                                          <p:spTgt spid="31"/>
+                                        </p:tgtEl>
+                                      </p:cBhvr>
+                                    </p:animEffect>
+                                  </p:childTnLst>
+                                </p:cTn>
+                              </p:par>
+                            </p:childTnLst>
+                          </p:cTn>
+                        </p:par>
+                        <p:par>
+                          <p:cTn id="12" fill="hold">
+                            <p:stCondLst>
+                              <p:cond delay="500"/>
+                            </p:stCondLst>
+                            <p:childTnLst>
+                              <p:par>
+                                <p:cTn id="13" presetID="22" presetClass="entr" presetSubtype="4" fill="hold" nodeType="afterEffect">
+                                  <p:stCondLst>
+                                    <p:cond delay="0"/>
+                                  </p:stCondLst>
+                                  <p:childTnLst>
+                                    <p:set>
+                                      <p:cBhvr>
+                                        <p:cTn id="14" dur="1" fill="hold">
+                                          <p:stCondLst>
+                                            <p:cond delay="0"/>
+                                          </p:stCondLst>
+                                        </p:cTn>
+                                        <p:tgtEl>
+                                          <p:spTgt spid="33"/>
+                                        </p:tgtEl>
+                                        <p:attrNameLst>
+                                          <p:attrName>style.visibility</p:attrName>
+                                        </p:attrNameLst>
+                                      </p:cBhvr>
+                                      <p:to>
+                                        <p:strVal val="visible"/>
+                                      </p:to>
+                                    </p:set>
+                                    <p:animEffect transition="in" filter="wipe(down)">
+                                      <p:cBhvr>
+                                        <p:cTn id="15" dur="250"/>
+                                        <p:tgtEl>
+                                          <p:spTgt spid="33"/>
+                                        </p:tgtEl>
+                                      </p:cBhvr>
+                                    </p:animEffect>
+                                  </p:childTnLst>
+                                </p:cTn>
+                              </p:par>
+                            </p:childTnLst>
+                          </p:cTn>
+                        </p:par>
+                        <p:par>
+                          <p:cTn id="16" fill="hold">
+                            <p:stCondLst>
+                              <p:cond delay="750"/>
+                            </p:stCondLst>
+                            <p:childTnLst>
+                              <p:par>
+                                <p:cTn id="17" presetID="22" presetClass="entr" presetSubtype="4" fill="hold" nodeType="afterEffect">
+                                  <p:stCondLst>
+                                    <p:cond delay="0"/>
+                                  </p:stCondLst>
+                                  <p:childTnLst>
+                                    <p:set>
+                                      <p:cBhvr>
+                                        <p:cTn id="18" dur="1" fill="hold">
+                                          <p:stCondLst>
+                                            <p:cond delay="0"/>
+                                          </p:stCondLst>
+                                        </p:cTn>
+                                        <p:tgtEl>
+                                          <p:spTgt spid="29"/>
+                                        </p:tgtEl>
+                                        <p:attrNameLst>
+                                          <p:attrName>style.visibility</p:attrName>
+                                        </p:attrNameLst>
+                                      </p:cBhvr>
+                                      <p:to>
+                                        <p:strVal val="visible"/>
+                                      </p:to>
+                                    </p:set>
+                                    <p:animEffect transition="in" filter="wipe(down)">
+                                      <p:cBhvr>
+                                        <p:cTn id="19" dur="250"/>
+                                        <p:tgtEl>
+                                          <p:spTgt spid="29"/>
+                                        </p:tgtEl>
+                                      </p:cBhvr>
+                                    </p:animEffect>
+                                  </p:childTnLst>
+                                </p:cTn>
+                              </p:par>
+                            </p:childTnLst>
+                          </p:cTn>
+                        </p:par>
+                        <p:par>
+                          <p:cTn id="20" fill="hold">
+                            <p:stCondLst>
+                              <p:cond delay="1000"/>
+                            </p:stCondLst>
+                            <p:childTnLst>
+                              <p:par>
+                                <p:cTn id="21" presetID="22" presetClass="entr" presetSubtype="4" fill="hold" nodeType="afterEffect">
+                                  <p:stCondLst>
+                                    <p:cond delay="0"/>
+                                  </p:stCondLst>
+                                  <p:childTnLst>
+                                    <p:set>
+                                      <p:cBhvr>
+                                        <p:cTn id="22" dur="1" fill="hold">
+                                          <p:stCondLst>
+                                            <p:cond delay="0"/>
+                                          </p:stCondLst>
+                                        </p:cTn>
+                                        <p:tgtEl>
+                                          <p:spTgt spid="25"/>
+                                        </p:tgtEl>
+                                        <p:attrNameLst>
+                                          <p:attrName>style.visibility</p:attrName>
+                                        </p:attrNameLst>
+                                      </p:cBhvr>
+                                      <p:to>
+                                        <p:strVal val="visible"/>
+                                      </p:to>
+                                    </p:set>
+                                    <p:animEffect transition="in" filter="wipe(down)">
+                                      <p:cBhvr>
+                                        <p:cTn id="23" dur="250"/>
+                                        <p:tgtEl>
+                                          <p:spTgt spid="25"/>
+                                        </p:tgtEl>
+                                      </p:cBhvr>
+                                    </p:animEffect>
+                                  </p:childTnLst>
+                                </p:cTn>
+                              </p:par>
+                            </p:childTnLst>
+                          </p:cTn>
+                        </p:par>
+                      </p:childTnLst>
+                    </p:cTn>
+                  </p:par>
+                </p:childTnLst>
+              </p:cTn>
+              <p:prevCondLst>
+                <p:cond evt="onPrev" delay="0">
+                  <p:tgtEl>
+                    <p:sldTgt/>
+                  </p:tgtEl>
+                </p:cond>
+              </p:prevCondLst>
+              <p:nextCondLst>
+                <p:cond evt="onNext" delay="0">
+                  <p:tgtEl>
+                    <p:sldTgt/>
+                  </p:tgtEl>
+                </p:cond>
+              </p:nextCondLst>
+            </p:seq>
+          </p:childTnLst>
+        </p:cTn>
+      </p:par>
+    </p:tnLst>
+  </p:timing>
+</p:sld>
+</file>
+
+<file path=ppt/slides/slide8.xml><?xml version="1.0" encoding="utf-8"?>
+<p:sld xmlns:a="http://schemas.openxmlformats.org/drawingml/2006/main" xmlns:r="http://schemas.openxmlformats.org/officeDocument/2006/relationships" xmlns:p="http://schemas.openxmlformats.org/presentationml/2006/main">
+  <p:cSld>
+    <p:spTree>
+      <p:nvGrpSpPr>
+        <p:cNvPr id="1" name=""/>
+        <p:cNvGrpSpPr/>
+        <p:nvPr/>
+      </p:nvGrpSpPr>
+      <p:grpSpPr>
+        <a:xfrm>
+          <a:off x="0" y="0"/>
+          <a:ext cx="0" cy="0"/>
+          <a:chOff x="0" y="0"/>
+          <a:chExt cx="0" cy="0"/>
+        </a:xfrm>
+      </p:grpSpPr>
+      <p:sp>
+        <p:nvSpPr>
+          <p:cNvPr id="2" name="Titel 1">
+            <a:extLst>
+              <a:ext uri="{FF2B5EF4-FFF2-40B4-BE49-F238E27FC236}">
+                <a16:creationId xmlns:a16="http://schemas.microsoft.com/office/drawing/2014/main" id="{DA8A0B07-BE07-415D-A008-F2F09E17D3DD}"/>
+              </a:ext>
+            </a:extLst>
+          </p:cNvPr>
+          <p:cNvSpPr>
+            <a:spLocks noGrp="1"/>
+          </p:cNvSpPr>
+          <p:nvPr>
+            <p:ph type="title"/>
+          </p:nvPr>
+        </p:nvSpPr>
+        <p:spPr>
+          <a:xfrm>
+            <a:off x="4862146" y="479462"/>
+            <a:ext cx="7077808" cy="1325563"/>
+          </a:xfrm>
+        </p:spPr>
+        <p:txBody>
+          <a:bodyPr/>
+          <a:lstStyle/>
+          <a:p>
+            <a:r>
+              <a:rPr lang="en-GB" dirty="0">
+                <a:latin typeface="Montserrat Medium" panose="00000600000000000000" pitchFamily="2" charset="0"/>
+              </a:rPr>
+              <a:t>Prototype</a:t>
+            </a:r>
+            <a:endParaRPr lang="nl-BE" dirty="0">
+              <a:latin typeface="Montserrat Medium" panose="00000600000000000000" pitchFamily="2" charset="0"/>
+            </a:endParaRPr>
+          </a:p>
+        </p:txBody>
+      </p:sp>
+      <p:sp>
+        <p:nvSpPr>
+          <p:cNvPr id="3" name="Tijdelijke aanduiding voor inhoud 2">
+            <a:extLst>
+              <a:ext uri="{FF2B5EF4-FFF2-40B4-BE49-F238E27FC236}">
+                <a16:creationId xmlns:a16="http://schemas.microsoft.com/office/drawing/2014/main" id="{5A3C4568-9A66-4544-B1CA-FBD7BD433689}"/>
+              </a:ext>
+            </a:extLst>
+          </p:cNvPr>
+          <p:cNvSpPr>
+            <a:spLocks noGrp="1"/>
+          </p:cNvSpPr>
+          <p:nvPr>
+            <p:ph idx="1"/>
+          </p:nvPr>
+        </p:nvSpPr>
+        <p:spPr>
+          <a:xfrm>
+            <a:off x="4862146" y="1743478"/>
+            <a:ext cx="7077808" cy="647384"/>
+          </a:xfrm>
+        </p:spPr>
+        <p:txBody>
+          <a:bodyPr/>
+          <a:lstStyle/>
+          <a:p>
+            <a:r>
+              <a:rPr lang="nl-BE" dirty="0">
+                <a:latin typeface="Montserrat Medium" panose="00000600000000000000" pitchFamily="2" charset="0"/>
+              </a:rPr>
+              <a:t>Positieve gevoelens opwekken</a:t>
+            </a:r>
+          </a:p>
+          <a:p>
+            <a:endParaRPr lang="nl-BE" dirty="0">
+              <a:latin typeface="Montserrat Medium" panose="00000600000000000000" pitchFamily="2" charset="0"/>
+            </a:endParaRPr>
+          </a:p>
+          <a:p>
+            <a:endParaRPr lang="nl-BE" dirty="0">
+              <a:latin typeface="Montserrat Medium" panose="00000600000000000000" pitchFamily="2" charset="0"/>
+            </a:endParaRPr>
+          </a:p>
+        </p:txBody>
+      </p:sp>
+      <p:sp>
+        <p:nvSpPr>
+          <p:cNvPr id="5" name="Rechthoek 4">
+            <a:extLst>
+              <a:ext uri="{FF2B5EF4-FFF2-40B4-BE49-F238E27FC236}">
+                <a16:creationId xmlns:a16="http://schemas.microsoft.com/office/drawing/2014/main" id="{0A649DEA-802F-4D39-A7B3-F4221680DDEE}"/>
+              </a:ext>
+            </a:extLst>
+          </p:cNvPr>
+          <p:cNvSpPr/>
+          <p:nvPr/>
+        </p:nvSpPr>
+        <p:spPr>
+          <a:xfrm>
+            <a:off x="-209725" y="3926049"/>
+            <a:ext cx="12658987" cy="3095536"/>
+          </a:xfrm>
+          <a:prstGeom prst="rect">
+            <a:avLst/>
+          </a:prstGeom>
+          <a:solidFill>
+            <a:srgbClr val="332767"/>
+          </a:solidFill>
+          <a:ln>
+            <a:noFill/>
+          </a:ln>
+        </p:spPr>
+        <p:style>
+          <a:lnRef idx="2">
+            <a:schemeClr val="accent1">
+              <a:shade val="50000"/>
+            </a:schemeClr>
+          </a:lnRef>
+          <a:fillRef idx="1">
+            <a:schemeClr val="accent1"/>
+          </a:fillRef>
+          <a:effectRef idx="0">
+            <a:schemeClr val="accent1"/>
+          </a:effectRef>
+          <a:fontRef idx="minor">
+            <a:schemeClr val="lt1"/>
+          </a:fontRef>
+        </p:style>
+        <p:txBody>
+          <a:bodyPr rtlCol="0" anchor="ctr"/>
+          <a:lstStyle/>
+          <a:p>
+            <a:endParaRPr lang="nl-BE" dirty="0"/>
+          </a:p>
+        </p:txBody>
+      </p:sp>
+      <p:pic>
+        <p:nvPicPr>
+          <p:cNvPr id="8" name="Afbeelding 7" descr="Afbeelding met monitor, elektronica, iPod&#10;&#10;Beschrijving is gegenereerd met hoge betrouwbaarheid">
+            <a:extLst>
+              <a:ext uri="{FF2B5EF4-FFF2-40B4-BE49-F238E27FC236}">
+                <a16:creationId xmlns:a16="http://schemas.microsoft.com/office/drawing/2014/main" id="{F0E0BB67-2144-461F-92DB-9EB141A071C8}"/>
+              </a:ext>
+            </a:extLst>
+          </p:cNvPr>
+          <p:cNvPicPr>
+            <a:picLocks noChangeAspect="1"/>
+          </p:cNvPicPr>
+          <p:nvPr/>
+        </p:nvPicPr>
+        <p:blipFill>
+          <a:blip r:embed="rId2">
+            <a:extLst>
+              <a:ext uri="{28A0092B-C50C-407E-A947-70E740481C1C}">
+                <a14:useLocalDpi xmlns:a14="http://schemas.microsoft.com/office/drawing/2010/main" val="0"/>
+              </a:ext>
+            </a:extLst>
+          </a:blip>
+          <a:stretch>
+            <a:fillRect/>
+          </a:stretch>
+        </p:blipFill>
+        <p:spPr>
+          <a:xfrm>
+            <a:off x="2146509" y="2665055"/>
+            <a:ext cx="2035487" cy="3985744"/>
+          </a:xfrm>
+          <a:prstGeom prst="rect">
+            <a:avLst/>
+          </a:prstGeom>
+        </p:spPr>
+      </p:pic>
+      <p:pic>
+        <p:nvPicPr>
+          <p:cNvPr id="12" name="Afbeelding 11">
+            <a:extLst>
+              <a:ext uri="{FF2B5EF4-FFF2-40B4-BE49-F238E27FC236}">
+                <a16:creationId xmlns:a16="http://schemas.microsoft.com/office/drawing/2014/main" id="{0F7D3F93-DFA2-48D8-9277-64C360625021}"/>
+              </a:ext>
+            </a:extLst>
+          </p:cNvPr>
+          <p:cNvPicPr>
+            <a:picLocks noChangeAspect="1"/>
+          </p:cNvPicPr>
+          <p:nvPr/>
+        </p:nvPicPr>
+        <p:blipFill>
+          <a:blip r:embed="rId3">
+            <a:extLst>
+              <a:ext uri="{28A0092B-C50C-407E-A947-70E740481C1C}">
+                <a14:useLocalDpi xmlns:a14="http://schemas.microsoft.com/office/drawing/2010/main" val="0"/>
+              </a:ext>
+            </a:extLst>
+          </a:blip>
+          <a:stretch>
+            <a:fillRect/>
+          </a:stretch>
+        </p:blipFill>
+        <p:spPr>
+          <a:xfrm>
+            <a:off x="3976380" y="2275864"/>
+            <a:ext cx="4382549" cy="4382549"/>
+          </a:xfrm>
+          <a:prstGeom prst="rect">
+            <a:avLst/>
+          </a:prstGeom>
+        </p:spPr>
+      </p:pic>
+      <p:pic>
+        <p:nvPicPr>
+          <p:cNvPr id="15" name="Afbeelding 14">
+            <a:extLst>
+              <a:ext uri="{FF2B5EF4-FFF2-40B4-BE49-F238E27FC236}">
+                <a16:creationId xmlns:a16="http://schemas.microsoft.com/office/drawing/2014/main" id="{8D2E6D3C-2BDF-4074-98DA-5ADC41946787}"/>
+              </a:ext>
+            </a:extLst>
+          </p:cNvPr>
+          <p:cNvPicPr>
+            <a:picLocks noChangeAspect="1"/>
+          </p:cNvPicPr>
+          <p:nvPr/>
+        </p:nvPicPr>
+        <p:blipFill>
+          <a:blip r:embed="rId4">
+            <a:extLst>
+              <a:ext uri="{28A0092B-C50C-407E-A947-70E740481C1C}">
+                <a14:useLocalDpi xmlns:a14="http://schemas.microsoft.com/office/drawing/2010/main" val="0"/>
+              </a:ext>
+            </a:extLst>
+          </a:blip>
+          <a:stretch>
+            <a:fillRect/>
+          </a:stretch>
+        </p:blipFill>
+        <p:spPr>
+          <a:xfrm>
+            <a:off x="8358929" y="5956108"/>
+            <a:ext cx="1719075" cy="512065"/>
+          </a:xfrm>
+          <a:prstGeom prst="rect">
+            <a:avLst/>
+          </a:prstGeom>
+        </p:spPr>
+      </p:pic>
+      <p:pic>
+        <p:nvPicPr>
+          <p:cNvPr id="18" name="Graphic 17">
+            <a:extLst>
+              <a:ext uri="{FF2B5EF4-FFF2-40B4-BE49-F238E27FC236}">
+                <a16:creationId xmlns:a16="http://schemas.microsoft.com/office/drawing/2014/main" id="{1A553851-C387-4849-B3C1-77822BCDA4FE}"/>
               </a:ext>
             </a:extLst>
           </p:cNvPr>
@@ -5049,6 +6832,9 @@
               <a:ext uri="{28A0092B-C50C-407E-A947-70E740481C1C}">
                 <a14:useLocalDpi xmlns:a14="http://schemas.microsoft.com/office/drawing/2010/main" val="0"/>
               </a:ext>
+              <a:ext uri="{96DAC541-7B7A-43D3-8B79-37D633B846F1}">
+                <asvg:svgBlip xmlns:asvg="http://schemas.microsoft.com/office/drawing/2016/SVG/main" r:embed="rId6"/>
+              </a:ext>
             </a:extLst>
           </a:blip>
           <a:stretch>
@@ -5057,20 +6843,182 @@
         </p:blipFill>
         <p:spPr>
           <a:xfrm>
-            <a:off x="3060456" y="5060962"/>
-            <a:ext cx="891430" cy="891430"/>
+            <a:off x="8358929" y="5323027"/>
+            <a:ext cx="1719074" cy="512065"/>
           </a:xfrm>
           <a:prstGeom prst="rect">
             <a:avLst/>
           </a:prstGeom>
         </p:spPr>
       </p:pic>
+    </p:spTree>
+    <p:extLst>
+      <p:ext uri="{BB962C8B-B14F-4D97-AF65-F5344CB8AC3E}">
+        <p14:creationId xmlns:p14="http://schemas.microsoft.com/office/powerpoint/2010/main" val="1859056332"/>
+      </p:ext>
+    </p:extLst>
+  </p:cSld>
+  <p:clrMapOvr>
+    <a:masterClrMapping/>
+  </p:clrMapOvr>
+</p:sld>
+</file>
+
+<file path=ppt/slides/slide9.xml><?xml version="1.0" encoding="utf-8"?>
+<p:sld xmlns:a="http://schemas.openxmlformats.org/drawingml/2006/main" xmlns:r="http://schemas.openxmlformats.org/officeDocument/2006/relationships" xmlns:p="http://schemas.openxmlformats.org/presentationml/2006/main">
+  <p:cSld>
+    <p:spTree>
+      <p:nvGrpSpPr>
+        <p:cNvPr id="1" name=""/>
+        <p:cNvGrpSpPr/>
+        <p:nvPr/>
+      </p:nvGrpSpPr>
+      <p:grpSpPr>
+        <a:xfrm>
+          <a:off x="0" y="0"/>
+          <a:ext cx="0" cy="0"/>
+          <a:chOff x="0" y="0"/>
+          <a:chExt cx="0" cy="0"/>
+        </a:xfrm>
+      </p:grpSpPr>
+      <p:sp>
+        <p:nvSpPr>
+          <p:cNvPr id="5" name="Rechthoek 4">
+            <a:extLst>
+              <a:ext uri="{FF2B5EF4-FFF2-40B4-BE49-F238E27FC236}">
+                <a16:creationId xmlns:a16="http://schemas.microsoft.com/office/drawing/2014/main" id="{0A649DEA-802F-4D39-A7B3-F4221680DDEE}"/>
+              </a:ext>
+            </a:extLst>
+          </p:cNvPr>
+          <p:cNvSpPr/>
+          <p:nvPr/>
+        </p:nvSpPr>
+        <p:spPr>
+          <a:xfrm>
+            <a:off x="-209725" y="3926049"/>
+            <a:ext cx="12658987" cy="3095536"/>
+          </a:xfrm>
+          <a:prstGeom prst="rect">
+            <a:avLst/>
+          </a:prstGeom>
+          <a:solidFill>
+            <a:srgbClr val="332767"/>
+          </a:solidFill>
+          <a:ln>
+            <a:noFill/>
+          </a:ln>
+        </p:spPr>
+        <p:style>
+          <a:lnRef idx="2">
+            <a:schemeClr val="accent1">
+              <a:shade val="50000"/>
+            </a:schemeClr>
+          </a:lnRef>
+          <a:fillRef idx="1">
+            <a:schemeClr val="accent1"/>
+          </a:fillRef>
+          <a:effectRef idx="0">
+            <a:schemeClr val="accent1"/>
+          </a:effectRef>
+          <a:fontRef idx="minor">
+            <a:schemeClr val="lt1"/>
+          </a:fontRef>
+        </p:style>
+        <p:txBody>
+          <a:bodyPr rtlCol="0" anchor="ctr"/>
+          <a:lstStyle/>
+          <a:p>
+            <a:endParaRPr lang="nl-BE" dirty="0"/>
+          </a:p>
+        </p:txBody>
+      </p:sp>
+      <p:sp>
+        <p:nvSpPr>
+          <p:cNvPr id="2" name="Titel 1">
+            <a:extLst>
+              <a:ext uri="{FF2B5EF4-FFF2-40B4-BE49-F238E27FC236}">
+                <a16:creationId xmlns:a16="http://schemas.microsoft.com/office/drawing/2014/main" id="{DA8A0B07-BE07-415D-A008-F2F09E17D3DD}"/>
+              </a:ext>
+            </a:extLst>
+          </p:cNvPr>
+          <p:cNvSpPr>
+            <a:spLocks noGrp="1"/>
+          </p:cNvSpPr>
+          <p:nvPr>
+            <p:ph type="title"/>
+          </p:nvPr>
+        </p:nvSpPr>
+        <p:spPr>
+          <a:xfrm>
+            <a:off x="6647465" y="3926049"/>
+            <a:ext cx="4508602" cy="1325563"/>
+          </a:xfrm>
+        </p:spPr>
+        <p:txBody>
+          <a:bodyPr/>
+          <a:lstStyle/>
+          <a:p>
+            <a:r>
+              <a:rPr lang="en-GB" dirty="0">
+                <a:solidFill>
+                  <a:schemeClr val="bg1"/>
+                </a:solidFill>
+                <a:latin typeface="Montserrat Medium" panose="00000600000000000000" pitchFamily="2" charset="0"/>
+              </a:rPr>
+              <a:t>Dank u</a:t>
+            </a:r>
+            <a:endParaRPr lang="nl-BE" dirty="0">
+              <a:solidFill>
+                <a:schemeClr val="bg1"/>
+              </a:solidFill>
+              <a:latin typeface="Montserrat Medium" panose="00000600000000000000" pitchFamily="2" charset="0"/>
+            </a:endParaRPr>
+          </a:p>
+        </p:txBody>
+      </p:sp>
+      <p:sp>
+        <p:nvSpPr>
+          <p:cNvPr id="3" name="Tijdelijke aanduiding voor inhoud 2">
+            <a:extLst>
+              <a:ext uri="{FF2B5EF4-FFF2-40B4-BE49-F238E27FC236}">
+                <a16:creationId xmlns:a16="http://schemas.microsoft.com/office/drawing/2014/main" id="{5A3C4568-9A66-4544-B1CA-FBD7BD433689}"/>
+              </a:ext>
+            </a:extLst>
+          </p:cNvPr>
+          <p:cNvSpPr>
+            <a:spLocks noGrp="1"/>
+          </p:cNvSpPr>
+          <p:nvPr>
+            <p:ph idx="1"/>
+          </p:nvPr>
+        </p:nvSpPr>
+        <p:spPr>
+          <a:xfrm>
+            <a:off x="4862146" y="1743478"/>
+            <a:ext cx="7077808" cy="647384"/>
+          </a:xfrm>
+        </p:spPr>
+        <p:txBody>
+          <a:bodyPr/>
+          <a:lstStyle/>
+          <a:p>
+            <a:endParaRPr lang="nl-BE" dirty="0">
+              <a:latin typeface="Montserrat Medium" panose="00000600000000000000" pitchFamily="2" charset="0"/>
+            </a:endParaRPr>
+          </a:p>
+          <a:p>
+            <a:endParaRPr lang="nl-BE" dirty="0">
+              <a:latin typeface="Montserrat Medium" panose="00000600000000000000" pitchFamily="2" charset="0"/>
+            </a:endParaRPr>
+          </a:p>
+        </p:txBody>
+      </p:sp>
       <p:pic>
         <p:nvPicPr>
-          <p:cNvPr id="20" name="Afbeelding 19" descr="Afbeelding met illustratie&#10;&#10;Beschrijving is gegenereerd met zeer hoge betrouwbaarheid">
-            <a:extLst>
-              <a:ext uri="{FF2B5EF4-FFF2-40B4-BE49-F238E27FC236}">
-                <a16:creationId xmlns:a16="http://schemas.microsoft.com/office/drawing/2014/main" id="{EC9D2C96-A552-4871-8411-33B6D24C7632}"/>
+          <p:cNvPr id="8" name="Afbeelding 7" descr="Afbeelding met monitor, elektronica, iPod&#10;&#10;Beschrijving is gegenereerd met hoge betrouwbaarheid">
+            <a:extLst>
+              <a:ext uri="{FF2B5EF4-FFF2-40B4-BE49-F238E27FC236}">
+                <a16:creationId xmlns:a16="http://schemas.microsoft.com/office/drawing/2014/main" id="{F0E0BB67-2144-461F-92DB-9EB141A071C8}"/>
               </a:ext>
             </a:extLst>
           </p:cNvPr>
@@ -5093,18 +7041,192 @@
         </p:blipFill>
         <p:spPr>
           <a:xfrm>
-            <a:off x="1147436" y="5520272"/>
-            <a:ext cx="582623" cy="582623"/>
+            <a:off x="393210" y="2709802"/>
+            <a:ext cx="2035487" cy="3985744"/>
           </a:xfrm>
           <a:prstGeom prst="rect">
             <a:avLst/>
           </a:prstGeom>
         </p:spPr>
       </p:pic>
+      <p:pic>
+        <p:nvPicPr>
+          <p:cNvPr id="12" name="Afbeelding 11">
+            <a:extLst>
+              <a:ext uri="{FF2B5EF4-FFF2-40B4-BE49-F238E27FC236}">
+                <a16:creationId xmlns:a16="http://schemas.microsoft.com/office/drawing/2014/main" id="{0F7D3F93-DFA2-48D8-9277-64C360625021}"/>
+              </a:ext>
+            </a:extLst>
+          </p:cNvPr>
+          <p:cNvPicPr>
+            <a:picLocks noChangeAspect="1"/>
+          </p:cNvPicPr>
+          <p:nvPr/>
+        </p:nvPicPr>
+        <p:blipFill>
+          <a:blip r:embed="rId3">
+            <a:extLst>
+              <a:ext uri="{28A0092B-C50C-407E-A947-70E740481C1C}">
+                <a14:useLocalDpi xmlns:a14="http://schemas.microsoft.com/office/drawing/2010/main" val="0"/>
+              </a:ext>
+            </a:extLst>
+          </a:blip>
+          <a:stretch>
+            <a:fillRect/>
+          </a:stretch>
+        </p:blipFill>
+        <p:spPr>
+          <a:xfrm>
+            <a:off x="2223081" y="2320611"/>
+            <a:ext cx="4382549" cy="4382549"/>
+          </a:xfrm>
+          <a:prstGeom prst="rect">
+            <a:avLst/>
+          </a:prstGeom>
+        </p:spPr>
+      </p:pic>
+      <p:sp>
+        <p:nvSpPr>
+          <p:cNvPr id="9" name="Titel 1">
+            <a:extLst>
+              <a:ext uri="{FF2B5EF4-FFF2-40B4-BE49-F238E27FC236}">
+                <a16:creationId xmlns:a16="http://schemas.microsoft.com/office/drawing/2014/main" id="{34CA04A6-27EE-4526-9BC0-549EF4A317F7}"/>
+              </a:ext>
+            </a:extLst>
+          </p:cNvPr>
+          <p:cNvSpPr txBox="1">
+            <a:spLocks/>
+          </p:cNvSpPr>
+          <p:nvPr/>
+        </p:nvSpPr>
+        <p:spPr>
+          <a:xfrm>
+            <a:off x="6689300" y="4811035"/>
+            <a:ext cx="4508602" cy="1325563"/>
+          </a:xfrm>
+          <a:prstGeom prst="rect">
+            <a:avLst/>
+          </a:prstGeom>
+        </p:spPr>
+        <p:txBody>
+          <a:bodyPr vert="horz" lIns="91440" tIns="45720" rIns="91440" bIns="45720" rtlCol="0" anchor="ctr">
+            <a:normAutofit/>
+          </a:bodyPr>
+          <a:lstStyle>
+            <a:lvl1pPr algn="l" defTabSz="914400" rtl="0" eaLnBrk="1" latinLnBrk="0" hangingPunct="1">
+              <a:lnSpc>
+                <a:spcPct val="90000"/>
+              </a:lnSpc>
+              <a:spcBef>
+                <a:spcPct val="0"/>
+              </a:spcBef>
+              <a:buNone/>
+              <a:defRPr sz="4400" kern="1200">
+                <a:solidFill>
+                  <a:schemeClr val="tx1"/>
+                </a:solidFill>
+                <a:latin typeface="+mj-lt"/>
+                <a:ea typeface="+mj-ea"/>
+                <a:cs typeface="+mj-cs"/>
+              </a:defRPr>
+            </a:lvl1pPr>
+          </a:lstStyle>
+          <a:p>
+            <a:pPr marL="285750" indent="-285750">
+              <a:buFont typeface="Arial" panose="020B0604020202020204" pitchFamily="34" charset="0"/>
+              <a:buChar char="•"/>
+            </a:pPr>
+            <a:r>
+              <a:rPr lang="en-GB" sz="1600" dirty="0">
+                <a:solidFill>
+                  <a:schemeClr val="bg1"/>
+                </a:solidFill>
+                <a:latin typeface="Montserrat Medium" panose="00000600000000000000" pitchFamily="2" charset="0"/>
+              </a:rPr>
+              <a:t>Bruno De </a:t>
+            </a:r>
+            <a:r>
+              <a:rPr lang="en-GB" sz="1600" dirty="0" err="1">
+                <a:solidFill>
+                  <a:schemeClr val="bg1"/>
+                </a:solidFill>
+                <a:latin typeface="Montserrat Medium" panose="00000600000000000000" pitchFamily="2" charset="0"/>
+              </a:rPr>
+              <a:t>Coene</a:t>
+            </a:r>
+            <a:endParaRPr lang="en-GB" sz="1600" dirty="0">
+              <a:solidFill>
+                <a:schemeClr val="bg1"/>
+              </a:solidFill>
+              <a:latin typeface="Montserrat Medium" panose="00000600000000000000" pitchFamily="2" charset="0"/>
+            </a:endParaRPr>
+          </a:p>
+          <a:p>
+            <a:pPr marL="285750" indent="-285750">
+              <a:buFont typeface="Arial" panose="020B0604020202020204" pitchFamily="34" charset="0"/>
+              <a:buChar char="•"/>
+            </a:pPr>
+            <a:r>
+              <a:rPr lang="en-GB" sz="1600" dirty="0" err="1">
+                <a:solidFill>
+                  <a:schemeClr val="bg1"/>
+                </a:solidFill>
+                <a:latin typeface="Montserrat Medium" panose="00000600000000000000" pitchFamily="2" charset="0"/>
+              </a:rPr>
+              <a:t>Wouter</a:t>
+            </a:r>
+            <a:r>
+              <a:rPr lang="en-GB" sz="1600" dirty="0">
+                <a:solidFill>
+                  <a:schemeClr val="bg1"/>
+                </a:solidFill>
+                <a:latin typeface="Montserrat Medium" panose="00000600000000000000" pitchFamily="2" charset="0"/>
+              </a:rPr>
+              <a:t> </a:t>
+            </a:r>
+            <a:r>
+              <a:rPr lang="en-GB" sz="1600" dirty="0" err="1">
+                <a:solidFill>
+                  <a:schemeClr val="bg1"/>
+                </a:solidFill>
+                <a:latin typeface="Montserrat Medium" panose="00000600000000000000" pitchFamily="2" charset="0"/>
+              </a:rPr>
+              <a:t>Vlaeyen</a:t>
+            </a:r>
+            <a:endParaRPr lang="en-GB" sz="1600" dirty="0">
+              <a:solidFill>
+                <a:schemeClr val="bg1"/>
+              </a:solidFill>
+              <a:latin typeface="Montserrat Medium" panose="00000600000000000000" pitchFamily="2" charset="0"/>
+            </a:endParaRPr>
+          </a:p>
+          <a:p>
+            <a:pPr marL="285750" indent="-285750">
+              <a:buFont typeface="Arial" panose="020B0604020202020204" pitchFamily="34" charset="0"/>
+              <a:buChar char="•"/>
+            </a:pPr>
+            <a:r>
+              <a:rPr lang="en-GB" sz="1600" dirty="0">
+                <a:solidFill>
+                  <a:schemeClr val="bg1"/>
+                </a:solidFill>
+                <a:latin typeface="Montserrat Medium" panose="00000600000000000000" pitchFamily="2" charset="0"/>
+              </a:rPr>
+              <a:t>Nawang Tendar</a:t>
+            </a:r>
+            <a:endParaRPr lang="nl-BE" sz="1600" dirty="0">
+              <a:solidFill>
+                <a:schemeClr val="bg1"/>
+              </a:solidFill>
+              <a:latin typeface="Montserrat Medium" panose="00000600000000000000" pitchFamily="2" charset="0"/>
+            </a:endParaRPr>
+          </a:p>
+        </p:txBody>
+      </p:sp>
     </p:spTree>
     <p:extLst>
       <p:ext uri="{BB962C8B-B14F-4D97-AF65-F5344CB8AC3E}">
-        <p14:creationId xmlns:p14="http://schemas.microsoft.com/office/powerpoint/2010/main" val="4005817856"/>
+        <p14:creationId xmlns:p14="http://schemas.microsoft.com/office/powerpoint/2010/main" val="868882764"/>
       </p:ext>
     </p:extLst>
   </p:cSld>

--- a/research/AURA.pptx
+++ b/research/AURA.pptx
@@ -323,7 +323,7 @@
           <a:p>
             <a:fld id="{A6D53707-4441-4D3B-B1D4-D6CB21BA08CA}" type="slidenum">
               <a:rPr lang="nl-BE" smtClean="0"/>
-              <a:t>‹nr.›</a:t>
+              <a:t>‹#›</a:t>
             </a:fld>
             <a:endParaRPr lang="nl-BE"/>
           </a:p>
@@ -523,7 +523,7 @@
           <a:p>
             <a:fld id="{A6D53707-4441-4D3B-B1D4-D6CB21BA08CA}" type="slidenum">
               <a:rPr lang="nl-BE" smtClean="0"/>
-              <a:t>‹nr.›</a:t>
+              <a:t>‹#›</a:t>
             </a:fld>
             <a:endParaRPr lang="nl-BE"/>
           </a:p>
@@ -733,7 +733,7 @@
           <a:p>
             <a:fld id="{A6D53707-4441-4D3B-B1D4-D6CB21BA08CA}" type="slidenum">
               <a:rPr lang="nl-BE" smtClean="0"/>
-              <a:t>‹nr.›</a:t>
+              <a:t>‹#›</a:t>
             </a:fld>
             <a:endParaRPr lang="nl-BE"/>
           </a:p>
@@ -933,7 +933,7 @@
           <a:p>
             <a:fld id="{A6D53707-4441-4D3B-B1D4-D6CB21BA08CA}" type="slidenum">
               <a:rPr lang="nl-BE" smtClean="0"/>
-              <a:t>‹nr.›</a:t>
+              <a:t>‹#›</a:t>
             </a:fld>
             <a:endParaRPr lang="nl-BE"/>
           </a:p>
@@ -1209,7 +1209,7 @@
           <a:p>
             <a:fld id="{A6D53707-4441-4D3B-B1D4-D6CB21BA08CA}" type="slidenum">
               <a:rPr lang="nl-BE" smtClean="0"/>
-              <a:t>‹nr.›</a:t>
+              <a:t>‹#›</a:t>
             </a:fld>
             <a:endParaRPr lang="nl-BE"/>
           </a:p>
@@ -1477,7 +1477,7 @@
           <a:p>
             <a:fld id="{A6D53707-4441-4D3B-B1D4-D6CB21BA08CA}" type="slidenum">
               <a:rPr lang="nl-BE" smtClean="0"/>
-              <a:t>‹nr.›</a:t>
+              <a:t>‹#›</a:t>
             </a:fld>
             <a:endParaRPr lang="nl-BE"/>
           </a:p>
@@ -1892,7 +1892,7 @@
           <a:p>
             <a:fld id="{A6D53707-4441-4D3B-B1D4-D6CB21BA08CA}" type="slidenum">
               <a:rPr lang="nl-BE" smtClean="0"/>
-              <a:t>‹nr.›</a:t>
+              <a:t>‹#›</a:t>
             </a:fld>
             <a:endParaRPr lang="nl-BE"/>
           </a:p>
@@ -2034,7 +2034,7 @@
           <a:p>
             <a:fld id="{A6D53707-4441-4D3B-B1D4-D6CB21BA08CA}" type="slidenum">
               <a:rPr lang="nl-BE" smtClean="0"/>
-              <a:t>‹nr.›</a:t>
+              <a:t>‹#›</a:t>
             </a:fld>
             <a:endParaRPr lang="nl-BE"/>
           </a:p>
@@ -2147,7 +2147,7 @@
           <a:p>
             <a:fld id="{A6D53707-4441-4D3B-B1D4-D6CB21BA08CA}" type="slidenum">
               <a:rPr lang="nl-BE" smtClean="0"/>
-              <a:t>‹nr.›</a:t>
+              <a:t>‹#›</a:t>
             </a:fld>
             <a:endParaRPr lang="nl-BE"/>
           </a:p>
@@ -2460,7 +2460,7 @@
           <a:p>
             <a:fld id="{A6D53707-4441-4D3B-B1D4-D6CB21BA08CA}" type="slidenum">
               <a:rPr lang="nl-BE" smtClean="0"/>
-              <a:t>‹nr.›</a:t>
+              <a:t>‹#›</a:t>
             </a:fld>
             <a:endParaRPr lang="nl-BE"/>
           </a:p>
@@ -2749,7 +2749,7 @@
           <a:p>
             <a:fld id="{A6D53707-4441-4D3B-B1D4-D6CB21BA08CA}" type="slidenum">
               <a:rPr lang="nl-BE" smtClean="0"/>
-              <a:t>‹nr.›</a:t>
+              <a:t>‹#›</a:t>
             </a:fld>
             <a:endParaRPr lang="nl-BE"/>
           </a:p>
@@ -3028,7 +3028,7 @@
           <a:p>
             <a:fld id="{A6D53707-4441-4D3B-B1D4-D6CB21BA08CA}" type="slidenum">
               <a:rPr lang="nl-BE" smtClean="0"/>
-              <a:t>‹nr.›</a:t>
+              <a:t>‹#›</a:t>
             </a:fld>
             <a:endParaRPr lang="nl-BE"/>
           </a:p>
@@ -4087,6 +4087,29 @@
             </a:r>
           </a:p>
           <a:p>
+            <a:r>
+              <a:rPr lang="en-GB" dirty="0" err="1">
+                <a:latin typeface="Montserrat Medium" panose="00000600000000000000" pitchFamily="2" charset="0"/>
+              </a:rPr>
+              <a:t>Opvolging</a:t>
+            </a:r>
+            <a:r>
+              <a:rPr lang="en-GB" dirty="0">
+                <a:latin typeface="Montserrat Medium" panose="00000600000000000000" pitchFamily="2" charset="0"/>
+              </a:rPr>
+              <a:t> met feedback op </a:t>
+            </a:r>
+            <a:r>
+              <a:rPr lang="en-GB" dirty="0" err="1">
+                <a:latin typeface="Montserrat Medium" panose="00000600000000000000" pitchFamily="2" charset="0"/>
+              </a:rPr>
+              <a:t>straat</a:t>
+            </a:r>
+            <a:endParaRPr lang="en-GB" dirty="0">
+              <a:latin typeface="Montserrat Medium" panose="00000600000000000000" pitchFamily="2" charset="0"/>
+            </a:endParaRPr>
+          </a:p>
+          <a:p>
             <a:endParaRPr lang="en-GB" dirty="0">
               <a:latin typeface="Montserrat Medium" panose="00000600000000000000" pitchFamily="2" charset="0"/>
             </a:endParaRPr>
@@ -4484,7 +4507,7 @@
               <a:rPr lang="en-GB" dirty="0">
                 <a:latin typeface="Montserrat Medium" panose="00000600000000000000" pitchFamily="2" charset="0"/>
               </a:rPr>
-              <a:t>Meer extra features</a:t>
+              <a:t>Meer features</a:t>
             </a:r>
           </a:p>
           <a:p>
@@ -5465,7 +5488,42 @@
               <a:rPr lang="nl-BE" dirty="0">
                 <a:latin typeface="Montserrat Medium" panose="00000600000000000000" pitchFamily="2" charset="0"/>
               </a:rPr>
-              <a:t>Digitaliseren van wireframes</a:t>
+              <a:t>Digitaliseren van </a:t>
+            </a:r>
+            <a:r>
+              <a:rPr lang="nl-BE" dirty="0" err="1">
+                <a:latin typeface="Montserrat Medium" panose="00000600000000000000" pitchFamily="2" charset="0"/>
+              </a:rPr>
+              <a:t>wireframes</a:t>
+            </a:r>
+            <a:endParaRPr lang="nl-BE" dirty="0">
+              <a:latin typeface="Montserrat Medium" panose="00000600000000000000" pitchFamily="2" charset="0"/>
+            </a:endParaRPr>
+          </a:p>
+          <a:p>
+            <a:r>
+              <a:rPr lang="en-GB" dirty="0">
+                <a:latin typeface="Montserrat Medium" panose="00000600000000000000" pitchFamily="2" charset="0"/>
+              </a:rPr>
+              <a:t>L</a:t>
+            </a:r>
+            <a:r>
+              <a:rPr lang="nl-BE" dirty="0">
+                <a:latin typeface="Montserrat Medium" panose="00000600000000000000" pitchFamily="2" charset="0"/>
+              </a:rPr>
+              <a:t>ow </a:t>
+            </a:r>
+            <a:r>
+              <a:rPr lang="nl-BE" dirty="0" err="1">
+                <a:latin typeface="Montserrat Medium" panose="00000600000000000000" pitchFamily="2" charset="0"/>
+              </a:rPr>
+              <a:t>fidelity</a:t>
+            </a:r>
+            <a:r>
+              <a:rPr lang="nl-BE" dirty="0">
+                <a:latin typeface="Montserrat Medium" panose="00000600000000000000" pitchFamily="2" charset="0"/>
+              </a:rPr>
+              <a:t> prototypes (paper scans + Adobe XD)</a:t>
             </a:r>
           </a:p>
           <a:p>

--- a/research/AURA.pptx
+++ b/research/AURA.pptx
@@ -323,7 +323,7 @@
           <a:p>
             <a:fld id="{A6D53707-4441-4D3B-B1D4-D6CB21BA08CA}" type="slidenum">
               <a:rPr lang="nl-BE" smtClean="0"/>
-              <a:t>‹#›</a:t>
+              <a:t>‹nr.›</a:t>
             </a:fld>
             <a:endParaRPr lang="nl-BE"/>
           </a:p>
@@ -523,7 +523,7 @@
           <a:p>
             <a:fld id="{A6D53707-4441-4D3B-B1D4-D6CB21BA08CA}" type="slidenum">
               <a:rPr lang="nl-BE" smtClean="0"/>
-              <a:t>‹#›</a:t>
+              <a:t>‹nr.›</a:t>
             </a:fld>
             <a:endParaRPr lang="nl-BE"/>
           </a:p>
@@ -733,7 +733,7 @@
           <a:p>
             <a:fld id="{A6D53707-4441-4D3B-B1D4-D6CB21BA08CA}" type="slidenum">
               <a:rPr lang="nl-BE" smtClean="0"/>
-              <a:t>‹#›</a:t>
+              <a:t>‹nr.›</a:t>
             </a:fld>
             <a:endParaRPr lang="nl-BE"/>
           </a:p>
@@ -933,7 +933,7 @@
           <a:p>
             <a:fld id="{A6D53707-4441-4D3B-B1D4-D6CB21BA08CA}" type="slidenum">
               <a:rPr lang="nl-BE" smtClean="0"/>
-              <a:t>‹#›</a:t>
+              <a:t>‹nr.›</a:t>
             </a:fld>
             <a:endParaRPr lang="nl-BE"/>
           </a:p>
@@ -1209,7 +1209,7 @@
           <a:p>
             <a:fld id="{A6D53707-4441-4D3B-B1D4-D6CB21BA08CA}" type="slidenum">
               <a:rPr lang="nl-BE" smtClean="0"/>
-              <a:t>‹#›</a:t>
+              <a:t>‹nr.›</a:t>
             </a:fld>
             <a:endParaRPr lang="nl-BE"/>
           </a:p>
@@ -1477,7 +1477,7 @@
           <a:p>
             <a:fld id="{A6D53707-4441-4D3B-B1D4-D6CB21BA08CA}" type="slidenum">
               <a:rPr lang="nl-BE" smtClean="0"/>
-              <a:t>‹#›</a:t>
+              <a:t>‹nr.›</a:t>
             </a:fld>
             <a:endParaRPr lang="nl-BE"/>
           </a:p>
@@ -1892,7 +1892,7 @@
           <a:p>
             <a:fld id="{A6D53707-4441-4D3B-B1D4-D6CB21BA08CA}" type="slidenum">
               <a:rPr lang="nl-BE" smtClean="0"/>
-              <a:t>‹#›</a:t>
+              <a:t>‹nr.›</a:t>
             </a:fld>
             <a:endParaRPr lang="nl-BE"/>
           </a:p>
@@ -2034,7 +2034,7 @@
           <a:p>
             <a:fld id="{A6D53707-4441-4D3B-B1D4-D6CB21BA08CA}" type="slidenum">
               <a:rPr lang="nl-BE" smtClean="0"/>
-              <a:t>‹#›</a:t>
+              <a:t>‹nr.›</a:t>
             </a:fld>
             <a:endParaRPr lang="nl-BE"/>
           </a:p>
@@ -2147,7 +2147,7 @@
           <a:p>
             <a:fld id="{A6D53707-4441-4D3B-B1D4-D6CB21BA08CA}" type="slidenum">
               <a:rPr lang="nl-BE" smtClean="0"/>
-              <a:t>‹#›</a:t>
+              <a:t>‹nr.›</a:t>
             </a:fld>
             <a:endParaRPr lang="nl-BE"/>
           </a:p>
@@ -2460,7 +2460,7 @@
           <a:p>
             <a:fld id="{A6D53707-4441-4D3B-B1D4-D6CB21BA08CA}" type="slidenum">
               <a:rPr lang="nl-BE" smtClean="0"/>
-              <a:t>‹#›</a:t>
+              <a:t>‹nr.›</a:t>
             </a:fld>
             <a:endParaRPr lang="nl-BE"/>
           </a:p>
@@ -2749,7 +2749,7 @@
           <a:p>
             <a:fld id="{A6D53707-4441-4D3B-B1D4-D6CB21BA08CA}" type="slidenum">
               <a:rPr lang="nl-BE" smtClean="0"/>
-              <a:t>‹#›</a:t>
+              <a:t>‹nr.›</a:t>
             </a:fld>
             <a:endParaRPr lang="nl-BE"/>
           </a:p>
@@ -3028,7 +3028,7 @@
           <a:p>
             <a:fld id="{A6D53707-4441-4D3B-B1D4-D6CB21BA08CA}" type="slidenum">
               <a:rPr lang="nl-BE" smtClean="0"/>
-              <a:t>‹#›</a:t>
+              <a:t>‹nr.›</a:t>
             </a:fld>
             <a:endParaRPr lang="nl-BE"/>
           </a:p>
